--- a/cotizaciones/referencia.pptx
+++ b/cotizaciones/referencia.pptx
@@ -4,10 +4,13 @@
   <p:sldMasterIdLst>
     <p:sldMasterId id="2147483648" r:id="rId1"/>
   </p:sldMasterIdLst>
+  <p:notesMasterIdLst>
+    <p:notesMasterId r:id="rId3"/>
+  </p:notesMasterIdLst>
   <p:sldIdLst>
     <p:sldId id="256" r:id="rId2"/>
   </p:sldIdLst>
-  <p:sldSz cx="9144000" cy="6858000" type="screen4x3"/>
+  <p:sldSz cx="6858000" cy="9144000" type="letter"/>
   <p:notesSz cx="6858000" cy="9144000"/>
   <p:defaultTextStyle>
     <a:defPPr>
@@ -107,12 +110,12 @@
   <p:extLst>
     <p:ext uri="{EFAFB233-063F-42B5-8137-9DF3F51BA10A}">
       <p15:sldGuideLst xmlns:p15="http://schemas.microsoft.com/office/powerpoint/2012/main">
-        <p15:guide id="1" orient="horz" pos="2160">
+        <p15:guide id="1" orient="horz" pos="2880" userDrawn="1">
           <p15:clr>
             <a:srgbClr val="A4A3A4"/>
           </p15:clr>
         </p15:guide>
-        <p15:guide id="2" pos="2880">
+        <p15:guide id="2" pos="2160" userDrawn="1">
           <p15:clr>
             <a:srgbClr val="A4A3A4"/>
           </p15:clr>
@@ -121,6 +124,440 @@
     </p:ext>
   </p:extLst>
 </p:presentation>
+</file>
+
+<file path=ppt/notesMasters/notesMaster1.xml><?xml version="1.0" encoding="utf-8"?>
+<p:notesMaster xmlns:a="http://schemas.openxmlformats.org/drawingml/2006/main" xmlns:r="http://schemas.openxmlformats.org/officeDocument/2006/relationships" xmlns:p="http://schemas.openxmlformats.org/presentationml/2006/main">
+  <p:cSld>
+    <p:bg>
+      <p:bgRef idx="1001">
+        <a:schemeClr val="bg1"/>
+      </p:bgRef>
+    </p:bg>
+    <p:spTree>
+      <p:nvGrpSpPr>
+        <p:cNvPr id="1" name=""/>
+        <p:cNvGrpSpPr/>
+        <p:nvPr/>
+      </p:nvGrpSpPr>
+      <p:grpSpPr>
+        <a:xfrm>
+          <a:off x="0" y="0"/>
+          <a:ext cx="0" cy="0"/>
+          <a:chOff x="0" y="0"/>
+          <a:chExt cx="0" cy="0"/>
+        </a:xfrm>
+      </p:grpSpPr>
+      <p:sp>
+        <p:nvSpPr>
+          <p:cNvPr id="2" name="Marcador de encabezado 1"/>
+          <p:cNvSpPr>
+            <a:spLocks noGrp="1"/>
+          </p:cNvSpPr>
+          <p:nvPr>
+            <p:ph type="hdr" sz="quarter"/>
+          </p:nvPr>
+        </p:nvSpPr>
+        <p:spPr>
+          <a:xfrm>
+            <a:off x="0" y="0"/>
+            <a:ext cx="2971800" cy="458788"/>
+          </a:xfrm>
+          <a:prstGeom prst="rect">
+            <a:avLst/>
+          </a:prstGeom>
+        </p:spPr>
+        <p:txBody>
+          <a:bodyPr vert="horz" lIns="91440" tIns="45720" rIns="91440" bIns="45720" rtlCol="0"/>
+          <a:lstStyle>
+            <a:lvl1pPr algn="l">
+              <a:defRPr sz="1200"/>
+            </a:lvl1pPr>
+          </a:lstStyle>
+          <a:p>
+            <a:endParaRPr lang="es-CO"/>
+          </a:p>
+        </p:txBody>
+      </p:sp>
+      <p:sp>
+        <p:nvSpPr>
+          <p:cNvPr id="3" name="Marcador de fecha 2"/>
+          <p:cNvSpPr>
+            <a:spLocks noGrp="1"/>
+          </p:cNvSpPr>
+          <p:nvPr>
+            <p:ph type="dt" idx="1"/>
+          </p:nvPr>
+        </p:nvSpPr>
+        <p:spPr>
+          <a:xfrm>
+            <a:off x="3884613" y="0"/>
+            <a:ext cx="2971800" cy="458788"/>
+          </a:xfrm>
+          <a:prstGeom prst="rect">
+            <a:avLst/>
+          </a:prstGeom>
+        </p:spPr>
+        <p:txBody>
+          <a:bodyPr vert="horz" lIns="91440" tIns="45720" rIns="91440" bIns="45720" rtlCol="0"/>
+          <a:lstStyle>
+            <a:lvl1pPr algn="r">
+              <a:defRPr sz="1200"/>
+            </a:lvl1pPr>
+          </a:lstStyle>
+          <a:p>
+            <a:fld id="{15491C49-982F-4DBB-B504-52AACABA8E58}" type="datetimeFigureOut">
+              <a:rPr lang="es-CO" smtClean="0"/>
+              <a:t>13/09/2021</a:t>
+            </a:fld>
+            <a:endParaRPr lang="es-CO"/>
+          </a:p>
+        </p:txBody>
+      </p:sp>
+      <p:sp>
+        <p:nvSpPr>
+          <p:cNvPr id="4" name="Marcador de imagen de diapositiva 3"/>
+          <p:cNvSpPr>
+            <a:spLocks noGrp="1" noRot="1" noChangeAspect="1"/>
+          </p:cNvSpPr>
+          <p:nvPr>
+            <p:ph type="sldImg" idx="2"/>
+          </p:nvPr>
+        </p:nvSpPr>
+        <p:spPr>
+          <a:xfrm>
+            <a:off x="2271713" y="1143000"/>
+            <a:ext cx="2314575" cy="3086100"/>
+          </a:xfrm>
+          <a:prstGeom prst="rect">
+            <a:avLst/>
+          </a:prstGeom>
+          <a:noFill/>
+          <a:ln w="12700">
+            <a:solidFill>
+              <a:prstClr val="black"/>
+            </a:solidFill>
+          </a:ln>
+        </p:spPr>
+        <p:txBody>
+          <a:bodyPr vert="horz" lIns="91440" tIns="45720" rIns="91440" bIns="45720" rtlCol="0" anchor="ctr"/>
+          <a:lstStyle/>
+          <a:p>
+            <a:endParaRPr lang="es-CO"/>
+          </a:p>
+        </p:txBody>
+      </p:sp>
+      <p:sp>
+        <p:nvSpPr>
+          <p:cNvPr id="5" name="Marcador de notas 4"/>
+          <p:cNvSpPr>
+            <a:spLocks noGrp="1"/>
+          </p:cNvSpPr>
+          <p:nvPr>
+            <p:ph type="body" sz="quarter" idx="3"/>
+          </p:nvPr>
+        </p:nvSpPr>
+        <p:spPr>
+          <a:xfrm>
+            <a:off x="685800" y="4400550"/>
+            <a:ext cx="5486400" cy="3600450"/>
+          </a:xfrm>
+          <a:prstGeom prst="rect">
+            <a:avLst/>
+          </a:prstGeom>
+        </p:spPr>
+        <p:txBody>
+          <a:bodyPr vert="horz" lIns="91440" tIns="45720" rIns="91440" bIns="45720" rtlCol="0"/>
+          <a:lstStyle/>
+          <a:p>
+            <a:pPr lvl="0"/>
+            <a:r>
+              <a:rPr lang="es-ES" smtClean="0"/>
+              <a:t>Haga clic para modificar el estilo de texto del patrón</a:t>
+            </a:r>
+          </a:p>
+          <a:p>
+            <a:pPr lvl="1"/>
+            <a:r>
+              <a:rPr lang="es-ES" smtClean="0"/>
+              <a:t>Segundo nivel</a:t>
+            </a:r>
+          </a:p>
+          <a:p>
+            <a:pPr lvl="2"/>
+            <a:r>
+              <a:rPr lang="es-ES" smtClean="0"/>
+              <a:t>Tercer nivel</a:t>
+            </a:r>
+          </a:p>
+          <a:p>
+            <a:pPr lvl="3"/>
+            <a:r>
+              <a:rPr lang="es-ES" smtClean="0"/>
+              <a:t>Cuarto nivel</a:t>
+            </a:r>
+          </a:p>
+          <a:p>
+            <a:pPr lvl="4"/>
+            <a:r>
+              <a:rPr lang="es-ES" smtClean="0"/>
+              <a:t>Quinto nivel</a:t>
+            </a:r>
+            <a:endParaRPr lang="es-CO"/>
+          </a:p>
+        </p:txBody>
+      </p:sp>
+      <p:sp>
+        <p:nvSpPr>
+          <p:cNvPr id="6" name="Marcador de pie de página 5"/>
+          <p:cNvSpPr>
+            <a:spLocks noGrp="1"/>
+          </p:cNvSpPr>
+          <p:nvPr>
+            <p:ph type="ftr" sz="quarter" idx="4"/>
+          </p:nvPr>
+        </p:nvSpPr>
+        <p:spPr>
+          <a:xfrm>
+            <a:off x="0" y="8685213"/>
+            <a:ext cx="2971800" cy="458787"/>
+          </a:xfrm>
+          <a:prstGeom prst="rect">
+            <a:avLst/>
+          </a:prstGeom>
+        </p:spPr>
+        <p:txBody>
+          <a:bodyPr vert="horz" lIns="91440" tIns="45720" rIns="91440" bIns="45720" rtlCol="0" anchor="b"/>
+          <a:lstStyle>
+            <a:lvl1pPr algn="l">
+              <a:defRPr sz="1200"/>
+            </a:lvl1pPr>
+          </a:lstStyle>
+          <a:p>
+            <a:endParaRPr lang="es-CO"/>
+          </a:p>
+        </p:txBody>
+      </p:sp>
+      <p:sp>
+        <p:nvSpPr>
+          <p:cNvPr id="7" name="Marcador de número de diapositiva 6"/>
+          <p:cNvSpPr>
+            <a:spLocks noGrp="1"/>
+          </p:cNvSpPr>
+          <p:nvPr>
+            <p:ph type="sldNum" sz="quarter" idx="5"/>
+          </p:nvPr>
+        </p:nvSpPr>
+        <p:spPr>
+          <a:xfrm>
+            <a:off x="3884613" y="8685213"/>
+            <a:ext cx="2971800" cy="458787"/>
+          </a:xfrm>
+          <a:prstGeom prst="rect">
+            <a:avLst/>
+          </a:prstGeom>
+        </p:spPr>
+        <p:txBody>
+          <a:bodyPr vert="horz" lIns="91440" tIns="45720" rIns="91440" bIns="45720" rtlCol="0" anchor="b"/>
+          <a:lstStyle>
+            <a:lvl1pPr algn="r">
+              <a:defRPr sz="1200"/>
+            </a:lvl1pPr>
+          </a:lstStyle>
+          <a:p>
+            <a:fld id="{B048843B-5A9C-4170-BC47-3C264833C78A}" type="slidenum">
+              <a:rPr lang="es-CO" smtClean="0"/>
+              <a:t>‹Nº›</a:t>
+            </a:fld>
+            <a:endParaRPr lang="es-CO"/>
+          </a:p>
+        </p:txBody>
+      </p:sp>
+    </p:spTree>
+    <p:extLst>
+      <p:ext uri="{BB962C8B-B14F-4D97-AF65-F5344CB8AC3E}">
+        <p14:creationId xmlns:p14="http://schemas.microsoft.com/office/powerpoint/2010/main" val="4065021365"/>
+      </p:ext>
+    </p:extLst>
+  </p:cSld>
+  <p:clrMap bg1="lt1" tx1="dk1" bg2="lt2" tx2="dk2" accent1="accent1" accent2="accent2" accent3="accent3" accent4="accent4" accent5="accent5" accent6="accent6" hlink="hlink" folHlink="folHlink"/>
+  <p:notesStyle>
+    <a:lvl1pPr marL="0" algn="l" defTabSz="914400" rtl="0" eaLnBrk="1" latinLnBrk="0" hangingPunct="1">
+      <a:defRPr sz="1200" kern="1200">
+        <a:solidFill>
+          <a:schemeClr val="tx1"/>
+        </a:solidFill>
+        <a:latin typeface="+mn-lt"/>
+        <a:ea typeface="+mn-ea"/>
+        <a:cs typeface="+mn-cs"/>
+      </a:defRPr>
+    </a:lvl1pPr>
+    <a:lvl2pPr marL="457200" algn="l" defTabSz="914400" rtl="0" eaLnBrk="1" latinLnBrk="0" hangingPunct="1">
+      <a:defRPr sz="1200" kern="1200">
+        <a:solidFill>
+          <a:schemeClr val="tx1"/>
+        </a:solidFill>
+        <a:latin typeface="+mn-lt"/>
+        <a:ea typeface="+mn-ea"/>
+        <a:cs typeface="+mn-cs"/>
+      </a:defRPr>
+    </a:lvl2pPr>
+    <a:lvl3pPr marL="914400" algn="l" defTabSz="914400" rtl="0" eaLnBrk="1" latinLnBrk="0" hangingPunct="1">
+      <a:defRPr sz="1200" kern="1200">
+        <a:solidFill>
+          <a:schemeClr val="tx1"/>
+        </a:solidFill>
+        <a:latin typeface="+mn-lt"/>
+        <a:ea typeface="+mn-ea"/>
+        <a:cs typeface="+mn-cs"/>
+      </a:defRPr>
+    </a:lvl3pPr>
+    <a:lvl4pPr marL="1371600" algn="l" defTabSz="914400" rtl="0" eaLnBrk="1" latinLnBrk="0" hangingPunct="1">
+      <a:defRPr sz="1200" kern="1200">
+        <a:solidFill>
+          <a:schemeClr val="tx1"/>
+        </a:solidFill>
+        <a:latin typeface="+mn-lt"/>
+        <a:ea typeface="+mn-ea"/>
+        <a:cs typeface="+mn-cs"/>
+      </a:defRPr>
+    </a:lvl4pPr>
+    <a:lvl5pPr marL="1828800" algn="l" defTabSz="914400" rtl="0" eaLnBrk="1" latinLnBrk="0" hangingPunct="1">
+      <a:defRPr sz="1200" kern="1200">
+        <a:solidFill>
+          <a:schemeClr val="tx1"/>
+        </a:solidFill>
+        <a:latin typeface="+mn-lt"/>
+        <a:ea typeface="+mn-ea"/>
+        <a:cs typeface="+mn-cs"/>
+      </a:defRPr>
+    </a:lvl5pPr>
+    <a:lvl6pPr marL="2286000" algn="l" defTabSz="914400" rtl="0" eaLnBrk="1" latinLnBrk="0" hangingPunct="1">
+      <a:defRPr sz="1200" kern="1200">
+        <a:solidFill>
+          <a:schemeClr val="tx1"/>
+        </a:solidFill>
+        <a:latin typeface="+mn-lt"/>
+        <a:ea typeface="+mn-ea"/>
+        <a:cs typeface="+mn-cs"/>
+      </a:defRPr>
+    </a:lvl6pPr>
+    <a:lvl7pPr marL="2743200" algn="l" defTabSz="914400" rtl="0" eaLnBrk="1" latinLnBrk="0" hangingPunct="1">
+      <a:defRPr sz="1200" kern="1200">
+        <a:solidFill>
+          <a:schemeClr val="tx1"/>
+        </a:solidFill>
+        <a:latin typeface="+mn-lt"/>
+        <a:ea typeface="+mn-ea"/>
+        <a:cs typeface="+mn-cs"/>
+      </a:defRPr>
+    </a:lvl7pPr>
+    <a:lvl8pPr marL="3200400" algn="l" defTabSz="914400" rtl="0" eaLnBrk="1" latinLnBrk="0" hangingPunct="1">
+      <a:defRPr sz="1200" kern="1200">
+        <a:solidFill>
+          <a:schemeClr val="tx1"/>
+        </a:solidFill>
+        <a:latin typeface="+mn-lt"/>
+        <a:ea typeface="+mn-ea"/>
+        <a:cs typeface="+mn-cs"/>
+      </a:defRPr>
+    </a:lvl8pPr>
+    <a:lvl9pPr marL="3657600" algn="l" defTabSz="914400" rtl="0" eaLnBrk="1" latinLnBrk="0" hangingPunct="1">
+      <a:defRPr sz="1200" kern="1200">
+        <a:solidFill>
+          <a:schemeClr val="tx1"/>
+        </a:solidFill>
+        <a:latin typeface="+mn-lt"/>
+        <a:ea typeface="+mn-ea"/>
+        <a:cs typeface="+mn-cs"/>
+      </a:defRPr>
+    </a:lvl9pPr>
+  </p:notesStyle>
+</p:notesMaster>
+</file>
+
+<file path=ppt/notesSlides/notesSlide1.xml><?xml version="1.0" encoding="utf-8"?>
+<p:notes xmlns:a="http://schemas.openxmlformats.org/drawingml/2006/main" xmlns:r="http://schemas.openxmlformats.org/officeDocument/2006/relationships" xmlns:p="http://schemas.openxmlformats.org/presentationml/2006/main">
+  <p:cSld>
+    <p:spTree>
+      <p:nvGrpSpPr>
+        <p:cNvPr id="1" name=""/>
+        <p:cNvGrpSpPr/>
+        <p:nvPr/>
+      </p:nvGrpSpPr>
+      <p:grpSpPr>
+        <a:xfrm>
+          <a:off x="0" y="0"/>
+          <a:ext cx="0" cy="0"/>
+          <a:chOff x="0" y="0"/>
+          <a:chExt cx="0" cy="0"/>
+        </a:xfrm>
+      </p:grpSpPr>
+      <p:sp>
+        <p:nvSpPr>
+          <p:cNvPr id="2" name="Marcador de imagen de diapositiva 1"/>
+          <p:cNvSpPr>
+            <a:spLocks noGrp="1" noRot="1" noChangeAspect="1"/>
+          </p:cNvSpPr>
+          <p:nvPr>
+            <p:ph type="sldImg"/>
+          </p:nvPr>
+        </p:nvSpPr>
+        <p:spPr/>
+      </p:sp>
+      <p:sp>
+        <p:nvSpPr>
+          <p:cNvPr id="3" name="Marcador de notas 2"/>
+          <p:cNvSpPr>
+            <a:spLocks noGrp="1"/>
+          </p:cNvSpPr>
+          <p:nvPr>
+            <p:ph type="body" idx="1"/>
+          </p:nvPr>
+        </p:nvSpPr>
+        <p:spPr/>
+        <p:txBody>
+          <a:bodyPr/>
+          <a:lstStyle/>
+          <a:p>
+            <a:endParaRPr lang="es-CO"/>
+          </a:p>
+        </p:txBody>
+      </p:sp>
+      <p:sp>
+        <p:nvSpPr>
+          <p:cNvPr id="4" name="Marcador de número de diapositiva 3"/>
+          <p:cNvSpPr>
+            <a:spLocks noGrp="1"/>
+          </p:cNvSpPr>
+          <p:nvPr>
+            <p:ph type="sldNum" sz="quarter" idx="10"/>
+          </p:nvPr>
+        </p:nvSpPr>
+        <p:spPr/>
+        <p:txBody>
+          <a:bodyPr/>
+          <a:lstStyle/>
+          <a:p>
+            <a:fld id="{B048843B-5A9C-4170-BC47-3C264833C78A}" type="slidenum">
+              <a:rPr lang="es-CO" smtClean="0"/>
+              <a:t>1</a:t>
+            </a:fld>
+            <a:endParaRPr lang="es-CO"/>
+          </a:p>
+        </p:txBody>
+      </p:sp>
+    </p:spTree>
+    <p:extLst>
+      <p:ext uri="{BB962C8B-B14F-4D97-AF65-F5344CB8AC3E}">
+        <p14:creationId xmlns:p14="http://schemas.microsoft.com/office/powerpoint/2010/main" val="2132843346"/>
+      </p:ext>
+    </p:extLst>
+  </p:cSld>
+  <p:clrMapOvr>
+    <a:masterClrMapping/>
+  </p:clrMapOvr>
+</p:notes>
 </file>
 
 <file path=ppt/slideLayouts/slideLayout1.xml><?xml version="1.0" encoding="utf-8"?>
@@ -152,8 +589,8 @@
         </p:nvSpPr>
         <p:spPr>
           <a:xfrm>
-            <a:off x="685800" y="2130425"/>
-            <a:ext cx="7772400" cy="1470025"/>
+            <a:off x="514350" y="2840568"/>
+            <a:ext cx="5829300" cy="1960033"/>
           </a:xfrm>
         </p:spPr>
         <p:txBody>
@@ -180,8 +617,8 @@
         </p:nvSpPr>
         <p:spPr>
           <a:xfrm>
-            <a:off x="1371600" y="3886200"/>
-            <a:ext cx="6400800" cy="1752600"/>
+            <a:off x="1028700" y="5181600"/>
+            <a:ext cx="4800600" cy="2336800"/>
           </a:xfrm>
         </p:spPr>
         <p:txBody>
@@ -197,7 +634,7 @@
                 </a:solidFill>
               </a:defRPr>
             </a:lvl1pPr>
-            <a:lvl2pPr marL="457200" indent="0" algn="ctr">
+            <a:lvl2pPr marL="342900" indent="0" algn="ctr">
               <a:buNone/>
               <a:defRPr>
                 <a:solidFill>
@@ -207,7 +644,7 @@
                 </a:solidFill>
               </a:defRPr>
             </a:lvl2pPr>
-            <a:lvl3pPr marL="914400" indent="0" algn="ctr">
+            <a:lvl3pPr marL="685800" indent="0" algn="ctr">
               <a:buNone/>
               <a:defRPr>
                 <a:solidFill>
@@ -217,7 +654,7 @@
                 </a:solidFill>
               </a:defRPr>
             </a:lvl3pPr>
-            <a:lvl4pPr marL="1371600" indent="0" algn="ctr">
+            <a:lvl4pPr marL="1028700" indent="0" algn="ctr">
               <a:buNone/>
               <a:defRPr>
                 <a:solidFill>
@@ -227,7 +664,7 @@
                 </a:solidFill>
               </a:defRPr>
             </a:lvl4pPr>
-            <a:lvl5pPr marL="1828800" indent="0" algn="ctr">
+            <a:lvl5pPr marL="1371600" indent="0" algn="ctr">
               <a:buNone/>
               <a:defRPr>
                 <a:solidFill>
@@ -237,7 +674,7 @@
                 </a:solidFill>
               </a:defRPr>
             </a:lvl5pPr>
-            <a:lvl6pPr marL="2286000" indent="0" algn="ctr">
+            <a:lvl6pPr marL="1714500" indent="0" algn="ctr">
               <a:buNone/>
               <a:defRPr>
                 <a:solidFill>
@@ -247,7 +684,7 @@
                 </a:solidFill>
               </a:defRPr>
             </a:lvl6pPr>
-            <a:lvl7pPr marL="2743200" indent="0" algn="ctr">
+            <a:lvl7pPr marL="2057400" indent="0" algn="ctr">
               <a:buNone/>
               <a:defRPr>
                 <a:solidFill>
@@ -257,7 +694,7 @@
                 </a:solidFill>
               </a:defRPr>
             </a:lvl7pPr>
-            <a:lvl8pPr marL="3200400" indent="0" algn="ctr">
+            <a:lvl8pPr marL="2400300" indent="0" algn="ctr">
               <a:buNone/>
               <a:defRPr>
                 <a:solidFill>
@@ -267,7 +704,7 @@
                 </a:solidFill>
               </a:defRPr>
             </a:lvl8pPr>
-            <a:lvl9pPr marL="3657600" indent="0" algn="ctr">
+            <a:lvl9pPr marL="2743200" indent="0" algn="ctr">
               <a:buNone/>
               <a:defRPr>
                 <a:solidFill>
@@ -304,7 +741,7 @@
           <a:p>
             <a:fld id="{5BCAD085-E8A6-8845-BD4E-CB4CCA059FC4}" type="datetimeFigureOut">
               <a:rPr lang="en-US" smtClean="0"/>
-              <a:t>9/12/2021</a:t>
+              <a:t>9/13/2021</a:t>
             </a:fld>
             <a:endParaRPr lang="en-US"/>
           </a:p>
@@ -474,7 +911,7 @@
           <a:p>
             <a:fld id="{5BCAD085-E8A6-8845-BD4E-CB4CCA059FC4}" type="datetimeFigureOut">
               <a:rPr lang="en-US" smtClean="0"/>
-              <a:t>9/12/2021</a:t>
+              <a:t>9/13/2021</a:t>
             </a:fld>
             <a:endParaRPr lang="en-US"/>
           </a:p>
@@ -564,8 +1001,8 @@
         </p:nvSpPr>
         <p:spPr>
           <a:xfrm>
-            <a:off x="6629400" y="274638"/>
-            <a:ext cx="2057400" cy="5851525"/>
+            <a:off x="4972050" y="366185"/>
+            <a:ext cx="1543050" cy="7802033"/>
           </a:xfrm>
         </p:spPr>
         <p:txBody>
@@ -592,8 +1029,8 @@
         </p:nvSpPr>
         <p:spPr>
           <a:xfrm>
-            <a:off x="457200" y="274638"/>
-            <a:ext cx="6019800" cy="5851525"/>
+            <a:off x="342900" y="366185"/>
+            <a:ext cx="4514850" cy="7802033"/>
           </a:xfrm>
         </p:spPr>
         <p:txBody>
@@ -654,7 +1091,7 @@
           <a:p>
             <a:fld id="{5BCAD085-E8A6-8845-BD4E-CB4CCA059FC4}" type="datetimeFigureOut">
               <a:rPr lang="en-US" smtClean="0"/>
-              <a:t>9/12/2021</a:t>
+              <a:t>9/13/2021</a:t>
             </a:fld>
             <a:endParaRPr lang="en-US"/>
           </a:p>
@@ -824,7 +1261,7 @@
           <a:p>
             <a:fld id="{5BCAD085-E8A6-8845-BD4E-CB4CCA059FC4}" type="datetimeFigureOut">
               <a:rPr lang="en-US" smtClean="0"/>
-              <a:t>9/12/2021</a:t>
+              <a:t>9/13/2021</a:t>
             </a:fld>
             <a:endParaRPr lang="en-US"/>
           </a:p>
@@ -914,15 +1351,15 @@
         </p:nvSpPr>
         <p:spPr>
           <a:xfrm>
-            <a:off x="722313" y="4406900"/>
-            <a:ext cx="7772400" cy="1362075"/>
+            <a:off x="541735" y="5875867"/>
+            <a:ext cx="5829300" cy="1816100"/>
           </a:xfrm>
         </p:spPr>
         <p:txBody>
           <a:bodyPr anchor="t"/>
           <a:lstStyle>
             <a:lvl1pPr algn="l">
-              <a:defRPr sz="4000" b="1" cap="all"/>
+              <a:defRPr sz="3000" b="1" cap="all"/>
             </a:lvl1pPr>
           </a:lstStyle>
           <a:p>
@@ -946,8 +1383,8 @@
         </p:nvSpPr>
         <p:spPr>
           <a:xfrm>
-            <a:off x="722313" y="2906713"/>
-            <a:ext cx="7772400" cy="1500187"/>
+            <a:off x="541735" y="3875618"/>
+            <a:ext cx="5829300" cy="2000249"/>
           </a:xfrm>
         </p:spPr>
         <p:txBody>
@@ -955,7 +1392,7 @@
           <a:lstStyle>
             <a:lvl1pPr marL="0" indent="0">
               <a:buNone/>
-              <a:defRPr sz="2000">
+              <a:defRPr sz="1500">
                 <a:solidFill>
                   <a:schemeClr val="tx1">
                     <a:tint val="75000"/>
@@ -963,9 +1400,9 @@
                 </a:solidFill>
               </a:defRPr>
             </a:lvl1pPr>
-            <a:lvl2pPr marL="457200" indent="0">
-              <a:buNone/>
-              <a:defRPr sz="1800">
+            <a:lvl2pPr marL="342900" indent="0">
+              <a:buNone/>
+              <a:defRPr sz="1350">
                 <a:solidFill>
                   <a:schemeClr val="tx1">
                     <a:tint val="75000"/>
@@ -973,9 +1410,9 @@
                 </a:solidFill>
               </a:defRPr>
             </a:lvl2pPr>
-            <a:lvl3pPr marL="914400" indent="0">
-              <a:buNone/>
-              <a:defRPr sz="1600">
+            <a:lvl3pPr marL="685800" indent="0">
+              <a:buNone/>
+              <a:defRPr sz="1200">
                 <a:solidFill>
                   <a:schemeClr val="tx1">
                     <a:tint val="75000"/>
@@ -983,9 +1420,9 @@
                 </a:solidFill>
               </a:defRPr>
             </a:lvl3pPr>
-            <a:lvl4pPr marL="1371600" indent="0">
-              <a:buNone/>
-              <a:defRPr sz="1400">
+            <a:lvl4pPr marL="1028700" indent="0">
+              <a:buNone/>
+              <a:defRPr sz="1050">
                 <a:solidFill>
                   <a:schemeClr val="tx1">
                     <a:tint val="75000"/>
@@ -993,9 +1430,9 @@
                 </a:solidFill>
               </a:defRPr>
             </a:lvl4pPr>
-            <a:lvl5pPr marL="1828800" indent="0">
-              <a:buNone/>
-              <a:defRPr sz="1400">
+            <a:lvl5pPr marL="1371600" indent="0">
+              <a:buNone/>
+              <a:defRPr sz="1050">
                 <a:solidFill>
                   <a:schemeClr val="tx1">
                     <a:tint val="75000"/>
@@ -1003,9 +1440,9 @@
                 </a:solidFill>
               </a:defRPr>
             </a:lvl5pPr>
-            <a:lvl6pPr marL="2286000" indent="0">
-              <a:buNone/>
-              <a:defRPr sz="1400">
+            <a:lvl6pPr marL="1714500" indent="0">
+              <a:buNone/>
+              <a:defRPr sz="1050">
                 <a:solidFill>
                   <a:schemeClr val="tx1">
                     <a:tint val="75000"/>
@@ -1013,9 +1450,9 @@
                 </a:solidFill>
               </a:defRPr>
             </a:lvl6pPr>
-            <a:lvl7pPr marL="2743200" indent="0">
-              <a:buNone/>
-              <a:defRPr sz="1400">
+            <a:lvl7pPr marL="2057400" indent="0">
+              <a:buNone/>
+              <a:defRPr sz="1050">
                 <a:solidFill>
                   <a:schemeClr val="tx1">
                     <a:tint val="75000"/>
@@ -1023,9 +1460,9 @@
                 </a:solidFill>
               </a:defRPr>
             </a:lvl7pPr>
-            <a:lvl8pPr marL="3200400" indent="0">
-              <a:buNone/>
-              <a:defRPr sz="1400">
+            <a:lvl8pPr marL="2400300" indent="0">
+              <a:buNone/>
+              <a:defRPr sz="1050">
                 <a:solidFill>
                   <a:schemeClr val="tx1">
                     <a:tint val="75000"/>
@@ -1033,9 +1470,9 @@
                 </a:solidFill>
               </a:defRPr>
             </a:lvl8pPr>
-            <a:lvl9pPr marL="3657600" indent="0">
-              <a:buNone/>
-              <a:defRPr sz="1400">
+            <a:lvl9pPr marL="2743200" indent="0">
+              <a:buNone/>
+              <a:defRPr sz="1050">
                 <a:solidFill>
                   <a:schemeClr val="tx1">
                     <a:tint val="75000"/>
@@ -1070,7 +1507,7 @@
           <a:p>
             <a:fld id="{5BCAD085-E8A6-8845-BD4E-CB4CCA059FC4}" type="datetimeFigureOut">
               <a:rPr lang="en-US" smtClean="0"/>
-              <a:t>9/12/2021</a:t>
+              <a:t>9/13/2021</a:t>
             </a:fld>
             <a:endParaRPr lang="en-US"/>
           </a:p>
@@ -1183,39 +1620,39 @@
         </p:nvSpPr>
         <p:spPr>
           <a:xfrm>
-            <a:off x="457200" y="1600200"/>
-            <a:ext cx="4038600" cy="4525963"/>
+            <a:off x="342900" y="2133601"/>
+            <a:ext cx="3028950" cy="6034617"/>
           </a:xfrm>
         </p:spPr>
         <p:txBody>
           <a:bodyPr/>
           <a:lstStyle>
             <a:lvl1pPr>
-              <a:defRPr sz="2800"/>
+              <a:defRPr sz="2100"/>
             </a:lvl1pPr>
             <a:lvl2pPr>
-              <a:defRPr sz="2400"/>
+              <a:defRPr sz="1800"/>
             </a:lvl2pPr>
             <a:lvl3pPr>
-              <a:defRPr sz="2000"/>
+              <a:defRPr sz="1500"/>
             </a:lvl3pPr>
             <a:lvl4pPr>
-              <a:defRPr sz="1800"/>
+              <a:defRPr sz="1350"/>
             </a:lvl4pPr>
             <a:lvl5pPr>
-              <a:defRPr sz="1800"/>
+              <a:defRPr sz="1350"/>
             </a:lvl5pPr>
             <a:lvl6pPr>
-              <a:defRPr sz="1800"/>
+              <a:defRPr sz="1350"/>
             </a:lvl6pPr>
             <a:lvl7pPr>
-              <a:defRPr sz="1800"/>
+              <a:defRPr sz="1350"/>
             </a:lvl7pPr>
             <a:lvl8pPr>
-              <a:defRPr sz="1800"/>
+              <a:defRPr sz="1350"/>
             </a:lvl8pPr>
             <a:lvl9pPr>
-              <a:defRPr sz="1800"/>
+              <a:defRPr sz="1350"/>
             </a:lvl9pPr>
           </a:lstStyle>
           <a:p>
@@ -1268,39 +1705,39 @@
         </p:nvSpPr>
         <p:spPr>
           <a:xfrm>
-            <a:off x="4648200" y="1600200"/>
-            <a:ext cx="4038600" cy="4525963"/>
+            <a:off x="3486150" y="2133601"/>
+            <a:ext cx="3028950" cy="6034617"/>
           </a:xfrm>
         </p:spPr>
         <p:txBody>
           <a:bodyPr/>
           <a:lstStyle>
             <a:lvl1pPr>
-              <a:defRPr sz="2800"/>
+              <a:defRPr sz="2100"/>
             </a:lvl1pPr>
             <a:lvl2pPr>
-              <a:defRPr sz="2400"/>
+              <a:defRPr sz="1800"/>
             </a:lvl2pPr>
             <a:lvl3pPr>
-              <a:defRPr sz="2000"/>
+              <a:defRPr sz="1500"/>
             </a:lvl3pPr>
             <a:lvl4pPr>
-              <a:defRPr sz="1800"/>
+              <a:defRPr sz="1350"/>
             </a:lvl4pPr>
             <a:lvl5pPr>
-              <a:defRPr sz="1800"/>
+              <a:defRPr sz="1350"/>
             </a:lvl5pPr>
             <a:lvl6pPr>
-              <a:defRPr sz="1800"/>
+              <a:defRPr sz="1350"/>
             </a:lvl6pPr>
             <a:lvl7pPr>
-              <a:defRPr sz="1800"/>
+              <a:defRPr sz="1350"/>
             </a:lvl7pPr>
             <a:lvl8pPr>
-              <a:defRPr sz="1800"/>
+              <a:defRPr sz="1350"/>
             </a:lvl8pPr>
             <a:lvl9pPr>
-              <a:defRPr sz="1800"/>
+              <a:defRPr sz="1350"/>
             </a:lvl9pPr>
           </a:lstStyle>
           <a:p>
@@ -1358,7 +1795,7 @@
           <a:p>
             <a:fld id="{5BCAD085-E8A6-8845-BD4E-CB4CCA059FC4}" type="datetimeFigureOut">
               <a:rPr lang="en-US" smtClean="0"/>
-              <a:t>9/12/2021</a:t>
+              <a:t>9/13/2021</a:t>
             </a:fld>
             <a:endParaRPr lang="en-US"/>
           </a:p>
@@ -1475,8 +1912,8 @@
         </p:nvSpPr>
         <p:spPr>
           <a:xfrm>
-            <a:off x="457200" y="1535113"/>
-            <a:ext cx="4040188" cy="639762"/>
+            <a:off x="342900" y="2046817"/>
+            <a:ext cx="3030141" cy="853016"/>
           </a:xfrm>
         </p:spPr>
         <p:txBody>
@@ -1484,39 +1921,39 @@
           <a:lstStyle>
             <a:lvl1pPr marL="0" indent="0">
               <a:buNone/>
-              <a:defRPr sz="2400" b="1"/>
+              <a:defRPr sz="1800" b="1"/>
             </a:lvl1pPr>
-            <a:lvl2pPr marL="457200" indent="0">
-              <a:buNone/>
-              <a:defRPr sz="2000" b="1"/>
+            <a:lvl2pPr marL="342900" indent="0">
+              <a:buNone/>
+              <a:defRPr sz="1500" b="1"/>
             </a:lvl2pPr>
-            <a:lvl3pPr marL="914400" indent="0">
-              <a:buNone/>
-              <a:defRPr sz="1800" b="1"/>
+            <a:lvl3pPr marL="685800" indent="0">
+              <a:buNone/>
+              <a:defRPr sz="1350" b="1"/>
             </a:lvl3pPr>
-            <a:lvl4pPr marL="1371600" indent="0">
-              <a:buNone/>
-              <a:defRPr sz="1600" b="1"/>
+            <a:lvl4pPr marL="1028700" indent="0">
+              <a:buNone/>
+              <a:defRPr sz="1200" b="1"/>
             </a:lvl4pPr>
-            <a:lvl5pPr marL="1828800" indent="0">
-              <a:buNone/>
-              <a:defRPr sz="1600" b="1"/>
+            <a:lvl5pPr marL="1371600" indent="0">
+              <a:buNone/>
+              <a:defRPr sz="1200" b="1"/>
             </a:lvl5pPr>
-            <a:lvl6pPr marL="2286000" indent="0">
-              <a:buNone/>
-              <a:defRPr sz="1600" b="1"/>
+            <a:lvl6pPr marL="1714500" indent="0">
+              <a:buNone/>
+              <a:defRPr sz="1200" b="1"/>
             </a:lvl6pPr>
-            <a:lvl7pPr marL="2743200" indent="0">
-              <a:buNone/>
-              <a:defRPr sz="1600" b="1"/>
+            <a:lvl7pPr marL="2057400" indent="0">
+              <a:buNone/>
+              <a:defRPr sz="1200" b="1"/>
             </a:lvl7pPr>
-            <a:lvl8pPr marL="3200400" indent="0">
-              <a:buNone/>
-              <a:defRPr sz="1600" b="1"/>
+            <a:lvl8pPr marL="2400300" indent="0">
+              <a:buNone/>
+              <a:defRPr sz="1200" b="1"/>
             </a:lvl8pPr>
-            <a:lvl9pPr marL="3657600" indent="0">
-              <a:buNone/>
-              <a:defRPr sz="1600" b="1"/>
+            <a:lvl9pPr marL="2743200" indent="0">
+              <a:buNone/>
+              <a:defRPr sz="1200" b="1"/>
             </a:lvl9pPr>
           </a:lstStyle>
           <a:p>
@@ -1540,39 +1977,39 @@
         </p:nvSpPr>
         <p:spPr>
           <a:xfrm>
-            <a:off x="457200" y="2174875"/>
-            <a:ext cx="4040188" cy="3951288"/>
+            <a:off x="342900" y="2899833"/>
+            <a:ext cx="3030141" cy="5268384"/>
           </a:xfrm>
         </p:spPr>
         <p:txBody>
           <a:bodyPr/>
           <a:lstStyle>
             <a:lvl1pPr>
-              <a:defRPr sz="2400"/>
+              <a:defRPr sz="1800"/>
             </a:lvl1pPr>
             <a:lvl2pPr>
-              <a:defRPr sz="2000"/>
+              <a:defRPr sz="1500"/>
             </a:lvl2pPr>
             <a:lvl3pPr>
-              <a:defRPr sz="1800"/>
+              <a:defRPr sz="1350"/>
             </a:lvl3pPr>
             <a:lvl4pPr>
-              <a:defRPr sz="1600"/>
+              <a:defRPr sz="1200"/>
             </a:lvl4pPr>
             <a:lvl5pPr>
-              <a:defRPr sz="1600"/>
+              <a:defRPr sz="1200"/>
             </a:lvl5pPr>
             <a:lvl6pPr>
-              <a:defRPr sz="1600"/>
+              <a:defRPr sz="1200"/>
             </a:lvl6pPr>
             <a:lvl7pPr>
-              <a:defRPr sz="1600"/>
+              <a:defRPr sz="1200"/>
             </a:lvl7pPr>
             <a:lvl8pPr>
-              <a:defRPr sz="1600"/>
+              <a:defRPr sz="1200"/>
             </a:lvl8pPr>
             <a:lvl9pPr>
-              <a:defRPr sz="1600"/>
+              <a:defRPr sz="1200"/>
             </a:lvl9pPr>
           </a:lstStyle>
           <a:p>
@@ -1625,8 +2062,8 @@
         </p:nvSpPr>
         <p:spPr>
           <a:xfrm>
-            <a:off x="4645025" y="1535113"/>
-            <a:ext cx="4041775" cy="639762"/>
+            <a:off x="3483769" y="2046817"/>
+            <a:ext cx="3031331" cy="853016"/>
           </a:xfrm>
         </p:spPr>
         <p:txBody>
@@ -1634,39 +2071,39 @@
           <a:lstStyle>
             <a:lvl1pPr marL="0" indent="0">
               <a:buNone/>
-              <a:defRPr sz="2400" b="1"/>
+              <a:defRPr sz="1800" b="1"/>
             </a:lvl1pPr>
-            <a:lvl2pPr marL="457200" indent="0">
-              <a:buNone/>
-              <a:defRPr sz="2000" b="1"/>
+            <a:lvl2pPr marL="342900" indent="0">
+              <a:buNone/>
+              <a:defRPr sz="1500" b="1"/>
             </a:lvl2pPr>
-            <a:lvl3pPr marL="914400" indent="0">
-              <a:buNone/>
-              <a:defRPr sz="1800" b="1"/>
+            <a:lvl3pPr marL="685800" indent="0">
+              <a:buNone/>
+              <a:defRPr sz="1350" b="1"/>
             </a:lvl3pPr>
-            <a:lvl4pPr marL="1371600" indent="0">
-              <a:buNone/>
-              <a:defRPr sz="1600" b="1"/>
+            <a:lvl4pPr marL="1028700" indent="0">
+              <a:buNone/>
+              <a:defRPr sz="1200" b="1"/>
             </a:lvl4pPr>
-            <a:lvl5pPr marL="1828800" indent="0">
-              <a:buNone/>
-              <a:defRPr sz="1600" b="1"/>
+            <a:lvl5pPr marL="1371600" indent="0">
+              <a:buNone/>
+              <a:defRPr sz="1200" b="1"/>
             </a:lvl5pPr>
-            <a:lvl6pPr marL="2286000" indent="0">
-              <a:buNone/>
-              <a:defRPr sz="1600" b="1"/>
+            <a:lvl6pPr marL="1714500" indent="0">
+              <a:buNone/>
+              <a:defRPr sz="1200" b="1"/>
             </a:lvl6pPr>
-            <a:lvl7pPr marL="2743200" indent="0">
-              <a:buNone/>
-              <a:defRPr sz="1600" b="1"/>
+            <a:lvl7pPr marL="2057400" indent="0">
+              <a:buNone/>
+              <a:defRPr sz="1200" b="1"/>
             </a:lvl7pPr>
-            <a:lvl8pPr marL="3200400" indent="0">
-              <a:buNone/>
-              <a:defRPr sz="1600" b="1"/>
+            <a:lvl8pPr marL="2400300" indent="0">
+              <a:buNone/>
+              <a:defRPr sz="1200" b="1"/>
             </a:lvl8pPr>
-            <a:lvl9pPr marL="3657600" indent="0">
-              <a:buNone/>
-              <a:defRPr sz="1600" b="1"/>
+            <a:lvl9pPr marL="2743200" indent="0">
+              <a:buNone/>
+              <a:defRPr sz="1200" b="1"/>
             </a:lvl9pPr>
           </a:lstStyle>
           <a:p>
@@ -1690,39 +2127,39 @@
         </p:nvSpPr>
         <p:spPr>
           <a:xfrm>
-            <a:off x="4645025" y="2174875"/>
-            <a:ext cx="4041775" cy="3951288"/>
+            <a:off x="3483769" y="2899833"/>
+            <a:ext cx="3031331" cy="5268384"/>
           </a:xfrm>
         </p:spPr>
         <p:txBody>
           <a:bodyPr/>
           <a:lstStyle>
             <a:lvl1pPr>
-              <a:defRPr sz="2400"/>
+              <a:defRPr sz="1800"/>
             </a:lvl1pPr>
             <a:lvl2pPr>
-              <a:defRPr sz="2000"/>
+              <a:defRPr sz="1500"/>
             </a:lvl2pPr>
             <a:lvl3pPr>
-              <a:defRPr sz="1800"/>
+              <a:defRPr sz="1350"/>
             </a:lvl3pPr>
             <a:lvl4pPr>
-              <a:defRPr sz="1600"/>
+              <a:defRPr sz="1200"/>
             </a:lvl4pPr>
             <a:lvl5pPr>
-              <a:defRPr sz="1600"/>
+              <a:defRPr sz="1200"/>
             </a:lvl5pPr>
             <a:lvl6pPr>
-              <a:defRPr sz="1600"/>
+              <a:defRPr sz="1200"/>
             </a:lvl6pPr>
             <a:lvl7pPr>
-              <a:defRPr sz="1600"/>
+              <a:defRPr sz="1200"/>
             </a:lvl7pPr>
             <a:lvl8pPr>
-              <a:defRPr sz="1600"/>
+              <a:defRPr sz="1200"/>
             </a:lvl8pPr>
             <a:lvl9pPr>
-              <a:defRPr sz="1600"/>
+              <a:defRPr sz="1200"/>
             </a:lvl9pPr>
           </a:lstStyle>
           <a:p>
@@ -1780,7 +2217,7 @@
           <a:p>
             <a:fld id="{5BCAD085-E8A6-8845-BD4E-CB4CCA059FC4}" type="datetimeFigureOut">
               <a:rPr lang="en-US" smtClean="0"/>
-              <a:t>9/12/2021</a:t>
+              <a:t>9/13/2021</a:t>
             </a:fld>
             <a:endParaRPr lang="en-US"/>
           </a:p>
@@ -1898,7 +2335,7 @@
           <a:p>
             <a:fld id="{5BCAD085-E8A6-8845-BD4E-CB4CCA059FC4}" type="datetimeFigureOut">
               <a:rPr lang="en-US" smtClean="0"/>
-              <a:t>9/12/2021</a:t>
+              <a:t>9/13/2021</a:t>
             </a:fld>
             <a:endParaRPr lang="en-US"/>
           </a:p>
@@ -1993,7 +2430,7 @@
           <a:p>
             <a:fld id="{5BCAD085-E8A6-8845-BD4E-CB4CCA059FC4}" type="datetimeFigureOut">
               <a:rPr lang="en-US" smtClean="0"/>
-              <a:t>9/12/2021</a:t>
+              <a:t>9/13/2021</a:t>
             </a:fld>
             <a:endParaRPr lang="en-US"/>
           </a:p>
@@ -2083,15 +2520,15 @@
         </p:nvSpPr>
         <p:spPr>
           <a:xfrm>
-            <a:off x="457200" y="273050"/>
-            <a:ext cx="3008313" cy="1162050"/>
+            <a:off x="342900" y="364067"/>
+            <a:ext cx="2256235" cy="1549400"/>
           </a:xfrm>
         </p:spPr>
         <p:txBody>
           <a:bodyPr anchor="b"/>
           <a:lstStyle>
             <a:lvl1pPr algn="l">
-              <a:defRPr sz="2000" b="1"/>
+              <a:defRPr sz="1500" b="1"/>
             </a:lvl1pPr>
           </a:lstStyle>
           <a:p>
@@ -2115,39 +2552,39 @@
         </p:nvSpPr>
         <p:spPr>
           <a:xfrm>
-            <a:off x="3575050" y="273050"/>
-            <a:ext cx="5111750" cy="5853113"/>
+            <a:off x="2681287" y="364067"/>
+            <a:ext cx="3833813" cy="7804151"/>
           </a:xfrm>
         </p:spPr>
         <p:txBody>
           <a:bodyPr/>
           <a:lstStyle>
             <a:lvl1pPr>
-              <a:defRPr sz="3200"/>
+              <a:defRPr sz="2400"/>
             </a:lvl1pPr>
             <a:lvl2pPr>
-              <a:defRPr sz="2800"/>
+              <a:defRPr sz="2100"/>
             </a:lvl2pPr>
             <a:lvl3pPr>
-              <a:defRPr sz="2400"/>
+              <a:defRPr sz="1800"/>
             </a:lvl3pPr>
             <a:lvl4pPr>
-              <a:defRPr sz="2000"/>
+              <a:defRPr sz="1500"/>
             </a:lvl4pPr>
             <a:lvl5pPr>
-              <a:defRPr sz="2000"/>
+              <a:defRPr sz="1500"/>
             </a:lvl5pPr>
             <a:lvl6pPr>
-              <a:defRPr sz="2000"/>
+              <a:defRPr sz="1500"/>
             </a:lvl6pPr>
             <a:lvl7pPr>
-              <a:defRPr sz="2000"/>
+              <a:defRPr sz="1500"/>
             </a:lvl7pPr>
             <a:lvl8pPr>
-              <a:defRPr sz="2000"/>
+              <a:defRPr sz="1500"/>
             </a:lvl8pPr>
             <a:lvl9pPr>
-              <a:defRPr sz="2000"/>
+              <a:defRPr sz="1500"/>
             </a:lvl9pPr>
           </a:lstStyle>
           <a:p>
@@ -2200,8 +2637,8 @@
         </p:nvSpPr>
         <p:spPr>
           <a:xfrm>
-            <a:off x="457200" y="1435100"/>
-            <a:ext cx="3008313" cy="4691063"/>
+            <a:off x="342900" y="1913467"/>
+            <a:ext cx="2256235" cy="6254751"/>
           </a:xfrm>
         </p:spPr>
         <p:txBody>
@@ -2209,39 +2646,39 @@
           <a:lstStyle>
             <a:lvl1pPr marL="0" indent="0">
               <a:buNone/>
-              <a:defRPr sz="1400"/>
+              <a:defRPr sz="1050"/>
             </a:lvl1pPr>
-            <a:lvl2pPr marL="457200" indent="0">
-              <a:buNone/>
-              <a:defRPr sz="1200"/>
+            <a:lvl2pPr marL="342900" indent="0">
+              <a:buNone/>
+              <a:defRPr sz="900"/>
             </a:lvl2pPr>
-            <a:lvl3pPr marL="914400" indent="0">
-              <a:buNone/>
-              <a:defRPr sz="1000"/>
+            <a:lvl3pPr marL="685800" indent="0">
+              <a:buNone/>
+              <a:defRPr sz="750"/>
             </a:lvl3pPr>
-            <a:lvl4pPr marL="1371600" indent="0">
-              <a:buNone/>
-              <a:defRPr sz="900"/>
+            <a:lvl4pPr marL="1028700" indent="0">
+              <a:buNone/>
+              <a:defRPr sz="675"/>
             </a:lvl4pPr>
-            <a:lvl5pPr marL="1828800" indent="0">
-              <a:buNone/>
-              <a:defRPr sz="900"/>
+            <a:lvl5pPr marL="1371600" indent="0">
+              <a:buNone/>
+              <a:defRPr sz="675"/>
             </a:lvl5pPr>
-            <a:lvl6pPr marL="2286000" indent="0">
-              <a:buNone/>
-              <a:defRPr sz="900"/>
+            <a:lvl6pPr marL="1714500" indent="0">
+              <a:buNone/>
+              <a:defRPr sz="675"/>
             </a:lvl6pPr>
-            <a:lvl7pPr marL="2743200" indent="0">
-              <a:buNone/>
-              <a:defRPr sz="900"/>
+            <a:lvl7pPr marL="2057400" indent="0">
+              <a:buNone/>
+              <a:defRPr sz="675"/>
             </a:lvl7pPr>
-            <a:lvl8pPr marL="3200400" indent="0">
-              <a:buNone/>
-              <a:defRPr sz="900"/>
+            <a:lvl8pPr marL="2400300" indent="0">
+              <a:buNone/>
+              <a:defRPr sz="675"/>
             </a:lvl8pPr>
-            <a:lvl9pPr marL="3657600" indent="0">
-              <a:buNone/>
-              <a:defRPr sz="900"/>
+            <a:lvl9pPr marL="2743200" indent="0">
+              <a:buNone/>
+              <a:defRPr sz="675"/>
             </a:lvl9pPr>
           </a:lstStyle>
           <a:p>
@@ -2270,7 +2707,7 @@
           <a:p>
             <a:fld id="{5BCAD085-E8A6-8845-BD4E-CB4CCA059FC4}" type="datetimeFigureOut">
               <a:rPr lang="en-US" smtClean="0"/>
-              <a:t>9/12/2021</a:t>
+              <a:t>9/13/2021</a:t>
             </a:fld>
             <a:endParaRPr lang="en-US"/>
           </a:p>
@@ -2360,15 +2797,15 @@
         </p:nvSpPr>
         <p:spPr>
           <a:xfrm>
-            <a:off x="1792288" y="4800600"/>
-            <a:ext cx="5486400" cy="566738"/>
+            <a:off x="1344216" y="6400800"/>
+            <a:ext cx="4114800" cy="755651"/>
           </a:xfrm>
         </p:spPr>
         <p:txBody>
           <a:bodyPr anchor="b"/>
           <a:lstStyle>
             <a:lvl1pPr algn="l">
-              <a:defRPr sz="2000" b="1"/>
+              <a:defRPr sz="1500" b="1"/>
             </a:lvl1pPr>
           </a:lstStyle>
           <a:p>
@@ -2392,8 +2829,8 @@
         </p:nvSpPr>
         <p:spPr>
           <a:xfrm>
-            <a:off x="1792288" y="612775"/>
-            <a:ext cx="5486400" cy="4114800"/>
+            <a:off x="1344216" y="817033"/>
+            <a:ext cx="4114800" cy="5486400"/>
           </a:xfrm>
         </p:spPr>
         <p:txBody>
@@ -2401,39 +2838,39 @@
           <a:lstStyle>
             <a:lvl1pPr marL="0" indent="0">
               <a:buNone/>
-              <a:defRPr sz="3200"/>
+              <a:defRPr sz="2400"/>
             </a:lvl1pPr>
-            <a:lvl2pPr marL="457200" indent="0">
-              <a:buNone/>
-              <a:defRPr sz="2800"/>
+            <a:lvl2pPr marL="342900" indent="0">
+              <a:buNone/>
+              <a:defRPr sz="2100"/>
             </a:lvl2pPr>
-            <a:lvl3pPr marL="914400" indent="0">
-              <a:buNone/>
-              <a:defRPr sz="2400"/>
+            <a:lvl3pPr marL="685800" indent="0">
+              <a:buNone/>
+              <a:defRPr sz="1800"/>
             </a:lvl3pPr>
-            <a:lvl4pPr marL="1371600" indent="0">
-              <a:buNone/>
-              <a:defRPr sz="2000"/>
+            <a:lvl4pPr marL="1028700" indent="0">
+              <a:buNone/>
+              <a:defRPr sz="1500"/>
             </a:lvl4pPr>
-            <a:lvl5pPr marL="1828800" indent="0">
-              <a:buNone/>
-              <a:defRPr sz="2000"/>
+            <a:lvl5pPr marL="1371600" indent="0">
+              <a:buNone/>
+              <a:defRPr sz="1500"/>
             </a:lvl5pPr>
-            <a:lvl6pPr marL="2286000" indent="0">
-              <a:buNone/>
-              <a:defRPr sz="2000"/>
+            <a:lvl6pPr marL="1714500" indent="0">
+              <a:buNone/>
+              <a:defRPr sz="1500"/>
             </a:lvl6pPr>
-            <a:lvl7pPr marL="2743200" indent="0">
-              <a:buNone/>
-              <a:defRPr sz="2000"/>
+            <a:lvl7pPr marL="2057400" indent="0">
+              <a:buNone/>
+              <a:defRPr sz="1500"/>
             </a:lvl7pPr>
-            <a:lvl8pPr marL="3200400" indent="0">
-              <a:buNone/>
-              <a:defRPr sz="2000"/>
+            <a:lvl8pPr marL="2400300" indent="0">
+              <a:buNone/>
+              <a:defRPr sz="1500"/>
             </a:lvl8pPr>
-            <a:lvl9pPr marL="3657600" indent="0">
-              <a:buNone/>
-              <a:defRPr sz="2000"/>
+            <a:lvl9pPr marL="2743200" indent="0">
+              <a:buNone/>
+              <a:defRPr sz="1500"/>
             </a:lvl9pPr>
           </a:lstStyle>
           <a:p>
@@ -2453,8 +2890,8 @@
         </p:nvSpPr>
         <p:spPr>
           <a:xfrm>
-            <a:off x="1792288" y="5367338"/>
-            <a:ext cx="5486400" cy="804862"/>
+            <a:off x="1344216" y="7156451"/>
+            <a:ext cx="4114800" cy="1073149"/>
           </a:xfrm>
         </p:spPr>
         <p:txBody>
@@ -2462,39 +2899,39 @@
           <a:lstStyle>
             <a:lvl1pPr marL="0" indent="0">
               <a:buNone/>
-              <a:defRPr sz="1400"/>
+              <a:defRPr sz="1050"/>
             </a:lvl1pPr>
-            <a:lvl2pPr marL="457200" indent="0">
-              <a:buNone/>
-              <a:defRPr sz="1200"/>
+            <a:lvl2pPr marL="342900" indent="0">
+              <a:buNone/>
+              <a:defRPr sz="900"/>
             </a:lvl2pPr>
-            <a:lvl3pPr marL="914400" indent="0">
-              <a:buNone/>
-              <a:defRPr sz="1000"/>
+            <a:lvl3pPr marL="685800" indent="0">
+              <a:buNone/>
+              <a:defRPr sz="750"/>
             </a:lvl3pPr>
-            <a:lvl4pPr marL="1371600" indent="0">
-              <a:buNone/>
-              <a:defRPr sz="900"/>
+            <a:lvl4pPr marL="1028700" indent="0">
+              <a:buNone/>
+              <a:defRPr sz="675"/>
             </a:lvl4pPr>
-            <a:lvl5pPr marL="1828800" indent="0">
-              <a:buNone/>
-              <a:defRPr sz="900"/>
+            <a:lvl5pPr marL="1371600" indent="0">
+              <a:buNone/>
+              <a:defRPr sz="675"/>
             </a:lvl5pPr>
-            <a:lvl6pPr marL="2286000" indent="0">
-              <a:buNone/>
-              <a:defRPr sz="900"/>
+            <a:lvl6pPr marL="1714500" indent="0">
+              <a:buNone/>
+              <a:defRPr sz="675"/>
             </a:lvl6pPr>
-            <a:lvl7pPr marL="2743200" indent="0">
-              <a:buNone/>
-              <a:defRPr sz="900"/>
+            <a:lvl7pPr marL="2057400" indent="0">
+              <a:buNone/>
+              <a:defRPr sz="675"/>
             </a:lvl7pPr>
-            <a:lvl8pPr marL="3200400" indent="0">
-              <a:buNone/>
-              <a:defRPr sz="900"/>
+            <a:lvl8pPr marL="2400300" indent="0">
+              <a:buNone/>
+              <a:defRPr sz="675"/>
             </a:lvl8pPr>
-            <a:lvl9pPr marL="3657600" indent="0">
-              <a:buNone/>
-              <a:defRPr sz="900"/>
+            <a:lvl9pPr marL="2743200" indent="0">
+              <a:buNone/>
+              <a:defRPr sz="675"/>
             </a:lvl9pPr>
           </a:lstStyle>
           <a:p>
@@ -2523,7 +2960,7 @@
           <a:p>
             <a:fld id="{5BCAD085-E8A6-8845-BD4E-CB4CCA059FC4}" type="datetimeFigureOut">
               <a:rPr lang="en-US" smtClean="0"/>
-              <a:t>9/12/2021</a:t>
+              <a:t>9/13/2021</a:t>
             </a:fld>
             <a:endParaRPr lang="en-US"/>
           </a:p>
@@ -2618,8 +3055,8 @@
         </p:nvSpPr>
         <p:spPr>
           <a:xfrm>
-            <a:off x="457200" y="274638"/>
-            <a:ext cx="8229600" cy="1143000"/>
+            <a:off x="342900" y="366184"/>
+            <a:ext cx="6172200" cy="1524000"/>
           </a:xfrm>
           <a:prstGeom prst="rect">
             <a:avLst/>
@@ -2651,8 +3088,8 @@
         </p:nvSpPr>
         <p:spPr>
           <a:xfrm>
-            <a:off x="457200" y="1600200"/>
-            <a:ext cx="8229600" cy="4525963"/>
+            <a:off x="342900" y="2133601"/>
+            <a:ext cx="6172200" cy="6034617"/>
           </a:xfrm>
           <a:prstGeom prst="rect">
             <a:avLst/>
@@ -2713,8 +3150,8 @@
         </p:nvSpPr>
         <p:spPr>
           <a:xfrm>
-            <a:off x="457200" y="6356350"/>
-            <a:ext cx="2133600" cy="365125"/>
+            <a:off x="342900" y="8475134"/>
+            <a:ext cx="1600200" cy="486833"/>
           </a:xfrm>
           <a:prstGeom prst="rect">
             <a:avLst/>
@@ -2724,7 +3161,7 @@
           <a:bodyPr vert="horz" lIns="91440" tIns="45720" rIns="91440" bIns="45720" rtlCol="0" anchor="ctr"/>
           <a:lstStyle>
             <a:lvl1pPr algn="l">
-              <a:defRPr sz="1200">
+              <a:defRPr sz="900">
                 <a:solidFill>
                   <a:schemeClr val="tx1">
                     <a:tint val="75000"/>
@@ -2736,7 +3173,7 @@
           <a:p>
             <a:fld id="{5BCAD085-E8A6-8845-BD4E-CB4CCA059FC4}" type="datetimeFigureOut">
               <a:rPr lang="en-US" smtClean="0"/>
-              <a:t>9/12/2021</a:t>
+              <a:t>9/13/2021</a:t>
             </a:fld>
             <a:endParaRPr lang="en-US"/>
           </a:p>
@@ -2754,8 +3191,8 @@
         </p:nvSpPr>
         <p:spPr>
           <a:xfrm>
-            <a:off x="3124200" y="6356350"/>
-            <a:ext cx="2895600" cy="365125"/>
+            <a:off x="2343150" y="8475134"/>
+            <a:ext cx="2171700" cy="486833"/>
           </a:xfrm>
           <a:prstGeom prst="rect">
             <a:avLst/>
@@ -2765,7 +3202,7 @@
           <a:bodyPr vert="horz" lIns="91440" tIns="45720" rIns="91440" bIns="45720" rtlCol="0" anchor="ctr"/>
           <a:lstStyle>
             <a:lvl1pPr algn="ctr">
-              <a:defRPr sz="1200">
+              <a:defRPr sz="900">
                 <a:solidFill>
                   <a:schemeClr val="tx1">
                     <a:tint val="75000"/>
@@ -2791,8 +3228,8 @@
         </p:nvSpPr>
         <p:spPr>
           <a:xfrm>
-            <a:off x="6553200" y="6356350"/>
-            <a:ext cx="2133600" cy="365125"/>
+            <a:off x="4914900" y="8475134"/>
+            <a:ext cx="1600200" cy="486833"/>
           </a:xfrm>
           <a:prstGeom prst="rect">
             <a:avLst/>
@@ -2802,7 +3239,7 @@
           <a:bodyPr vert="horz" lIns="91440" tIns="45720" rIns="91440" bIns="45720" rtlCol="0" anchor="ctr"/>
           <a:lstStyle>
             <a:lvl1pPr algn="r">
-              <a:defRPr sz="1200">
+              <a:defRPr sz="900">
                 <a:solidFill>
                   <a:schemeClr val="tx1">
                     <a:tint val="75000"/>
@@ -2843,12 +3280,12 @@
   </p:sldLayoutIdLst>
   <p:txStyles>
     <p:titleStyle>
-      <a:lvl1pPr algn="ctr" defTabSz="457200" rtl="0" eaLnBrk="1" latinLnBrk="0" hangingPunct="1">
+      <a:lvl1pPr algn="ctr" defTabSz="342900" rtl="0" eaLnBrk="1" latinLnBrk="0" hangingPunct="1">
         <a:spcBef>
           <a:spcPct val="0"/>
         </a:spcBef>
         <a:buNone/>
-        <a:defRPr sz="4400" kern="1200">
+        <a:defRPr sz="3300" kern="1200">
           <a:solidFill>
             <a:schemeClr val="tx1"/>
           </a:solidFill>
@@ -2859,37 +3296,7 @@
       </a:lvl1pPr>
     </p:titleStyle>
     <p:bodyStyle>
-      <a:lvl1pPr marL="342900" indent="-342900" algn="l" defTabSz="457200" rtl="0" eaLnBrk="1" latinLnBrk="0" hangingPunct="1">
-        <a:spcBef>
-          <a:spcPct val="20000"/>
-        </a:spcBef>
-        <a:buFont typeface="Arial"/>
-        <a:buChar char="•"/>
-        <a:defRPr sz="3200" kern="1200">
-          <a:solidFill>
-            <a:schemeClr val="tx1"/>
-          </a:solidFill>
-          <a:latin typeface="+mn-lt"/>
-          <a:ea typeface="+mn-ea"/>
-          <a:cs typeface="+mn-cs"/>
-        </a:defRPr>
-      </a:lvl1pPr>
-      <a:lvl2pPr marL="742950" indent="-285750" algn="l" defTabSz="457200" rtl="0" eaLnBrk="1" latinLnBrk="0" hangingPunct="1">
-        <a:spcBef>
-          <a:spcPct val="20000"/>
-        </a:spcBef>
-        <a:buFont typeface="Arial"/>
-        <a:buChar char="–"/>
-        <a:defRPr sz="2800" kern="1200">
-          <a:solidFill>
-            <a:schemeClr val="tx1"/>
-          </a:solidFill>
-          <a:latin typeface="+mn-lt"/>
-          <a:ea typeface="+mn-ea"/>
-          <a:cs typeface="+mn-cs"/>
-        </a:defRPr>
-      </a:lvl2pPr>
-      <a:lvl3pPr marL="1143000" indent="-228600" algn="l" defTabSz="457200" rtl="0" eaLnBrk="1" latinLnBrk="0" hangingPunct="1">
+      <a:lvl1pPr marL="257175" indent="-257175" algn="l" defTabSz="342900" rtl="0" eaLnBrk="1" latinLnBrk="0" hangingPunct="1">
         <a:spcBef>
           <a:spcPct val="20000"/>
         </a:spcBef>
@@ -2903,14 +3310,44 @@
           <a:ea typeface="+mn-ea"/>
           <a:cs typeface="+mn-cs"/>
         </a:defRPr>
-      </a:lvl3pPr>
-      <a:lvl4pPr marL="1600200" indent="-228600" algn="l" defTabSz="457200" rtl="0" eaLnBrk="1" latinLnBrk="0" hangingPunct="1">
+      </a:lvl1pPr>
+      <a:lvl2pPr marL="557213" indent="-214313" algn="l" defTabSz="342900" rtl="0" eaLnBrk="1" latinLnBrk="0" hangingPunct="1">
         <a:spcBef>
           <a:spcPct val="20000"/>
         </a:spcBef>
         <a:buFont typeface="Arial"/>
         <a:buChar char="–"/>
-        <a:defRPr sz="2000" kern="1200">
+        <a:defRPr sz="2100" kern="1200">
+          <a:solidFill>
+            <a:schemeClr val="tx1"/>
+          </a:solidFill>
+          <a:latin typeface="+mn-lt"/>
+          <a:ea typeface="+mn-ea"/>
+          <a:cs typeface="+mn-cs"/>
+        </a:defRPr>
+      </a:lvl2pPr>
+      <a:lvl3pPr marL="857250" indent="-171450" algn="l" defTabSz="342900" rtl="0" eaLnBrk="1" latinLnBrk="0" hangingPunct="1">
+        <a:spcBef>
+          <a:spcPct val="20000"/>
+        </a:spcBef>
+        <a:buFont typeface="Arial"/>
+        <a:buChar char="•"/>
+        <a:defRPr sz="1800" kern="1200">
+          <a:solidFill>
+            <a:schemeClr val="tx1"/>
+          </a:solidFill>
+          <a:latin typeface="+mn-lt"/>
+          <a:ea typeface="+mn-ea"/>
+          <a:cs typeface="+mn-cs"/>
+        </a:defRPr>
+      </a:lvl3pPr>
+      <a:lvl4pPr marL="1200150" indent="-171450" algn="l" defTabSz="342900" rtl="0" eaLnBrk="1" latinLnBrk="0" hangingPunct="1">
+        <a:spcBef>
+          <a:spcPct val="20000"/>
+        </a:spcBef>
+        <a:buFont typeface="Arial"/>
+        <a:buChar char="–"/>
+        <a:defRPr sz="1500" kern="1200">
           <a:solidFill>
             <a:schemeClr val="tx1"/>
           </a:solidFill>
@@ -2919,13 +3356,13 @@
           <a:cs typeface="+mn-cs"/>
         </a:defRPr>
       </a:lvl4pPr>
-      <a:lvl5pPr marL="2057400" indent="-228600" algn="l" defTabSz="457200" rtl="0" eaLnBrk="1" latinLnBrk="0" hangingPunct="1">
+      <a:lvl5pPr marL="1543050" indent="-171450" algn="l" defTabSz="342900" rtl="0" eaLnBrk="1" latinLnBrk="0" hangingPunct="1">
         <a:spcBef>
           <a:spcPct val="20000"/>
         </a:spcBef>
         <a:buFont typeface="Arial"/>
         <a:buChar char="»"/>
-        <a:defRPr sz="2000" kern="1200">
+        <a:defRPr sz="1500" kern="1200">
           <a:solidFill>
             <a:schemeClr val="tx1"/>
           </a:solidFill>
@@ -2934,13 +3371,13 @@
           <a:cs typeface="+mn-cs"/>
         </a:defRPr>
       </a:lvl5pPr>
-      <a:lvl6pPr marL="2514600" indent="-228600" algn="l" defTabSz="457200" rtl="0" eaLnBrk="1" latinLnBrk="0" hangingPunct="1">
+      <a:lvl6pPr marL="1885950" indent="-171450" algn="l" defTabSz="342900" rtl="0" eaLnBrk="1" latinLnBrk="0" hangingPunct="1">
         <a:spcBef>
           <a:spcPct val="20000"/>
         </a:spcBef>
         <a:buFont typeface="Arial"/>
         <a:buChar char="•"/>
-        <a:defRPr sz="2000" kern="1200">
+        <a:defRPr sz="1500" kern="1200">
           <a:solidFill>
             <a:schemeClr val="tx1"/>
           </a:solidFill>
@@ -2949,13 +3386,13 @@
           <a:cs typeface="+mn-cs"/>
         </a:defRPr>
       </a:lvl6pPr>
-      <a:lvl7pPr marL="2971800" indent="-228600" algn="l" defTabSz="457200" rtl="0" eaLnBrk="1" latinLnBrk="0" hangingPunct="1">
+      <a:lvl7pPr marL="2228850" indent="-171450" algn="l" defTabSz="342900" rtl="0" eaLnBrk="1" latinLnBrk="0" hangingPunct="1">
         <a:spcBef>
           <a:spcPct val="20000"/>
         </a:spcBef>
         <a:buFont typeface="Arial"/>
         <a:buChar char="•"/>
-        <a:defRPr sz="2000" kern="1200">
+        <a:defRPr sz="1500" kern="1200">
           <a:solidFill>
             <a:schemeClr val="tx1"/>
           </a:solidFill>
@@ -2964,13 +3401,13 @@
           <a:cs typeface="+mn-cs"/>
         </a:defRPr>
       </a:lvl7pPr>
-      <a:lvl8pPr marL="3429000" indent="-228600" algn="l" defTabSz="457200" rtl="0" eaLnBrk="1" latinLnBrk="0" hangingPunct="1">
+      <a:lvl8pPr marL="2571750" indent="-171450" algn="l" defTabSz="342900" rtl="0" eaLnBrk="1" latinLnBrk="0" hangingPunct="1">
         <a:spcBef>
           <a:spcPct val="20000"/>
         </a:spcBef>
         <a:buFont typeface="Arial"/>
         <a:buChar char="•"/>
-        <a:defRPr sz="2000" kern="1200">
+        <a:defRPr sz="1500" kern="1200">
           <a:solidFill>
             <a:schemeClr val="tx1"/>
           </a:solidFill>
@@ -2979,13 +3416,13 @@
           <a:cs typeface="+mn-cs"/>
         </a:defRPr>
       </a:lvl8pPr>
-      <a:lvl9pPr marL="3886200" indent="-228600" algn="l" defTabSz="457200" rtl="0" eaLnBrk="1" latinLnBrk="0" hangingPunct="1">
+      <a:lvl9pPr marL="2914650" indent="-171450" algn="l" defTabSz="342900" rtl="0" eaLnBrk="1" latinLnBrk="0" hangingPunct="1">
         <a:spcBef>
           <a:spcPct val="20000"/>
         </a:spcBef>
         <a:buFont typeface="Arial"/>
         <a:buChar char="•"/>
-        <a:defRPr sz="2000" kern="1200">
+        <a:defRPr sz="1500" kern="1200">
           <a:solidFill>
             <a:schemeClr val="tx1"/>
           </a:solidFill>
@@ -2999,8 +3436,8 @@
       <a:defPPr>
         <a:defRPr lang="en-US"/>
       </a:defPPr>
-      <a:lvl1pPr marL="0" algn="l" defTabSz="457200" rtl="0" eaLnBrk="1" latinLnBrk="0" hangingPunct="1">
-        <a:defRPr sz="1800" kern="1200">
+      <a:lvl1pPr marL="0" algn="l" defTabSz="342900" rtl="0" eaLnBrk="1" latinLnBrk="0" hangingPunct="1">
+        <a:defRPr sz="1350" kern="1200">
           <a:solidFill>
             <a:schemeClr val="tx1"/>
           </a:solidFill>
@@ -3009,8 +3446,8 @@
           <a:cs typeface="+mn-cs"/>
         </a:defRPr>
       </a:lvl1pPr>
-      <a:lvl2pPr marL="457200" algn="l" defTabSz="457200" rtl="0" eaLnBrk="1" latinLnBrk="0" hangingPunct="1">
-        <a:defRPr sz="1800" kern="1200">
+      <a:lvl2pPr marL="342900" algn="l" defTabSz="342900" rtl="0" eaLnBrk="1" latinLnBrk="0" hangingPunct="1">
+        <a:defRPr sz="1350" kern="1200">
           <a:solidFill>
             <a:schemeClr val="tx1"/>
           </a:solidFill>
@@ -3019,8 +3456,8 @@
           <a:cs typeface="+mn-cs"/>
         </a:defRPr>
       </a:lvl2pPr>
-      <a:lvl3pPr marL="914400" algn="l" defTabSz="457200" rtl="0" eaLnBrk="1" latinLnBrk="0" hangingPunct="1">
-        <a:defRPr sz="1800" kern="1200">
+      <a:lvl3pPr marL="685800" algn="l" defTabSz="342900" rtl="0" eaLnBrk="1" latinLnBrk="0" hangingPunct="1">
+        <a:defRPr sz="1350" kern="1200">
           <a:solidFill>
             <a:schemeClr val="tx1"/>
           </a:solidFill>
@@ -3029,8 +3466,8 @@
           <a:cs typeface="+mn-cs"/>
         </a:defRPr>
       </a:lvl3pPr>
-      <a:lvl4pPr marL="1371600" algn="l" defTabSz="457200" rtl="0" eaLnBrk="1" latinLnBrk="0" hangingPunct="1">
-        <a:defRPr sz="1800" kern="1200">
+      <a:lvl4pPr marL="1028700" algn="l" defTabSz="342900" rtl="0" eaLnBrk="1" latinLnBrk="0" hangingPunct="1">
+        <a:defRPr sz="1350" kern="1200">
           <a:solidFill>
             <a:schemeClr val="tx1"/>
           </a:solidFill>
@@ -3039,8 +3476,8 @@
           <a:cs typeface="+mn-cs"/>
         </a:defRPr>
       </a:lvl4pPr>
-      <a:lvl5pPr marL="1828800" algn="l" defTabSz="457200" rtl="0" eaLnBrk="1" latinLnBrk="0" hangingPunct="1">
-        <a:defRPr sz="1800" kern="1200">
+      <a:lvl5pPr marL="1371600" algn="l" defTabSz="342900" rtl="0" eaLnBrk="1" latinLnBrk="0" hangingPunct="1">
+        <a:defRPr sz="1350" kern="1200">
           <a:solidFill>
             <a:schemeClr val="tx1"/>
           </a:solidFill>
@@ -3049,8 +3486,8 @@
           <a:cs typeface="+mn-cs"/>
         </a:defRPr>
       </a:lvl5pPr>
-      <a:lvl6pPr marL="2286000" algn="l" defTabSz="457200" rtl="0" eaLnBrk="1" latinLnBrk="0" hangingPunct="1">
-        <a:defRPr sz="1800" kern="1200">
+      <a:lvl6pPr marL="1714500" algn="l" defTabSz="342900" rtl="0" eaLnBrk="1" latinLnBrk="0" hangingPunct="1">
+        <a:defRPr sz="1350" kern="1200">
           <a:solidFill>
             <a:schemeClr val="tx1"/>
           </a:solidFill>
@@ -3059,8 +3496,8 @@
           <a:cs typeface="+mn-cs"/>
         </a:defRPr>
       </a:lvl6pPr>
-      <a:lvl7pPr marL="2743200" algn="l" defTabSz="457200" rtl="0" eaLnBrk="1" latinLnBrk="0" hangingPunct="1">
-        <a:defRPr sz="1800" kern="1200">
+      <a:lvl7pPr marL="2057400" algn="l" defTabSz="342900" rtl="0" eaLnBrk="1" latinLnBrk="0" hangingPunct="1">
+        <a:defRPr sz="1350" kern="1200">
           <a:solidFill>
             <a:schemeClr val="tx1"/>
           </a:solidFill>
@@ -3069,8 +3506,8 @@
           <a:cs typeface="+mn-cs"/>
         </a:defRPr>
       </a:lvl7pPr>
-      <a:lvl8pPr marL="3200400" algn="l" defTabSz="457200" rtl="0" eaLnBrk="1" latinLnBrk="0" hangingPunct="1">
-        <a:defRPr sz="1800" kern="1200">
+      <a:lvl8pPr marL="2400300" algn="l" defTabSz="342900" rtl="0" eaLnBrk="1" latinLnBrk="0" hangingPunct="1">
+        <a:defRPr sz="1350" kern="1200">
           <a:solidFill>
             <a:schemeClr val="tx1"/>
           </a:solidFill>
@@ -3079,8 +3516,8 @@
           <a:cs typeface="+mn-cs"/>
         </a:defRPr>
       </a:lvl8pPr>
-      <a:lvl9pPr marL="3657600" algn="l" defTabSz="457200" rtl="0" eaLnBrk="1" latinLnBrk="0" hangingPunct="1">
-        <a:defRPr sz="1800" kern="1200">
+      <a:lvl9pPr marL="2743200" algn="l" defTabSz="342900" rtl="0" eaLnBrk="1" latinLnBrk="0" hangingPunct="1">
+        <a:defRPr sz="1350" kern="1200">
           <a:solidFill>
             <a:schemeClr val="tx1"/>
           </a:solidFill>
@@ -3123,8 +3560,8 @@
         </p:nvSpPr>
         <p:spPr>
           <a:xfrm>
-            <a:off x="522586" y="1424433"/>
-            <a:ext cx="1821947" cy="367418"/>
+            <a:off x="182761" y="1257219"/>
+            <a:ext cx="1366460" cy="275564"/>
           </a:xfrm>
         </p:spPr>
         <p:txBody>
@@ -3135,14 +3572,14 @@
           <a:p>
             <a:pPr algn="l"/>
             <a:r>
-              <a:rPr lang="es-CO" sz="1200" b="1" dirty="0"/>
+              <a:rPr lang="es-CO" sz="900" b="1" dirty="0"/>
               <a:t>1.GO0020 Gorra </a:t>
             </a:r>
             <a:r>
-              <a:rPr lang="es-CO" sz="1200" b="1" dirty="0" err="1" smtClean="0"/>
+              <a:rPr lang="es-CO" sz="900" b="1" dirty="0" err="1"/>
               <a:t>Hanna</a:t>
             </a:r>
-            <a:endParaRPr sz="1200" dirty="0"/>
+            <a:endParaRPr sz="900" dirty="0"/>
           </a:p>
         </p:txBody>
       </p:sp>
@@ -3158,8 +3595,8 @@
         </p:nvSpPr>
         <p:spPr>
           <a:xfrm>
-            <a:off x="375281" y="1879909"/>
-            <a:ext cx="6400800" cy="1752600"/>
+            <a:off x="135907" y="1626946"/>
+            <a:ext cx="4800600" cy="1314450"/>
           </a:xfrm>
         </p:spPr>
         <p:txBody>
@@ -3170,7 +3607,7 @@
           <a:p>
             <a:pPr algn="l"/>
             <a:r>
-              <a:rPr lang="es-CO" sz="1100" dirty="0">
+              <a:rPr lang="es-CO" sz="825" dirty="0">
                 <a:solidFill>
                   <a:schemeClr val="tx1"/>
                 </a:solidFill>
@@ -3178,14 +3615,14 @@
               <a:t>Gorra de 5 paneles con frente fusionado y parte posterior en malla, visera indeformable 4 costuras, botón forrado, tafilete textil y cierre plástico.</a:t>
             </a:r>
             <a:br>
-              <a:rPr lang="es-CO" sz="1100" dirty="0">
+              <a:rPr lang="es-CO" sz="825" dirty="0">
                 <a:solidFill>
                   <a:schemeClr val="tx1"/>
                 </a:solidFill>
               </a:rPr>
             </a:br>
             <a:r>
-              <a:rPr lang="es-CO" sz="1100" dirty="0">
+              <a:rPr lang="es-CO" sz="825" dirty="0">
                 <a:solidFill>
                   <a:schemeClr val="tx1"/>
                 </a:solidFill>
@@ -3193,14 +3630,14 @@
               <a:t>MATERIAL: Poliéster + Malla Nylon.</a:t>
             </a:r>
             <a:br>
-              <a:rPr lang="es-CO" sz="1100" dirty="0">
+              <a:rPr lang="es-CO" sz="825" dirty="0">
                 <a:solidFill>
                   <a:schemeClr val="tx1"/>
                 </a:solidFill>
               </a:rPr>
             </a:br>
             <a:r>
-              <a:rPr lang="es-CO" sz="1100" dirty="0">
+              <a:rPr lang="es-CO" sz="825" dirty="0">
                 <a:solidFill>
                   <a:schemeClr val="tx1"/>
                 </a:solidFill>
@@ -3208,14 +3645,14 @@
               <a:t>MEDIDAS: Circunferencia 55cm. Visera 18 x 12 cm.</a:t>
             </a:r>
             <a:br>
-              <a:rPr lang="es-CO" sz="1100" dirty="0">
+              <a:rPr lang="es-CO" sz="825" dirty="0">
                 <a:solidFill>
                   <a:schemeClr val="tx1"/>
                 </a:solidFill>
               </a:rPr>
             </a:br>
             <a:r>
-              <a:rPr lang="es-CO" sz="1100" dirty="0">
+              <a:rPr lang="es-CO" sz="825" dirty="0">
                 <a:solidFill>
                   <a:schemeClr val="tx1"/>
                 </a:solidFill>
@@ -3223,14 +3660,14 @@
               <a:t>ÁREA DE IMPRESIÓN APROXIMADA: Bordado: 5 x 5,5 cm. Sublimación: 13 x 8 cm.</a:t>
             </a:r>
             <a:br>
-              <a:rPr lang="es-CO" sz="1100" dirty="0">
+              <a:rPr lang="es-CO" sz="825" dirty="0">
                 <a:solidFill>
                   <a:schemeClr val="tx1"/>
                 </a:solidFill>
               </a:rPr>
             </a:br>
             <a:r>
-              <a:rPr lang="es-CO" sz="1100" dirty="0">
+              <a:rPr lang="es-CO" sz="825" dirty="0">
                 <a:solidFill>
                   <a:schemeClr val="tx1"/>
                 </a:solidFill>
@@ -3238,14 +3675,14 @@
               <a:t>MARCA: SE SUGIERE: Bordado. Sublimación en gorras con frente blanco.</a:t>
             </a:r>
             <a:br>
-              <a:rPr lang="es-CO" sz="1100" dirty="0">
+              <a:rPr lang="es-CO" sz="825" dirty="0">
                 <a:solidFill>
                   <a:schemeClr val="tx1"/>
                 </a:solidFill>
               </a:rPr>
             </a:br>
             <a:r>
-              <a:rPr lang="es-CO" sz="1100" dirty="0">
+              <a:rPr lang="es-CO" sz="825" dirty="0">
                 <a:solidFill>
                   <a:schemeClr val="tx1"/>
                 </a:solidFill>
@@ -3253,21 +3690,21 @@
               <a:t>EMPAQUE: 200 Unidades en caja máster de: 45 cm x 38 cm x 80 cm; Peso Bruto: 13,7 Kg; Peso Neto: 12 Kg</a:t>
             </a:r>
             <a:br>
-              <a:rPr lang="es-CO" sz="1100" dirty="0">
+              <a:rPr lang="es-CO" sz="825" dirty="0">
                 <a:solidFill>
                   <a:schemeClr val="tx1"/>
                 </a:solidFill>
               </a:rPr>
             </a:br>
             <a:r>
-              <a:rPr lang="es-CO" sz="1100" dirty="0">
+              <a:rPr lang="es-CO" sz="825" dirty="0">
                 <a:solidFill>
                   <a:schemeClr val="tx1"/>
                 </a:solidFill>
               </a:rPr>
               <a:t>INVENTARIO: 108.085 unidades</a:t>
             </a:r>
-            <a:endParaRPr sz="1100" dirty="0">
+            <a:endParaRPr sz="825" dirty="0">
               <a:solidFill>
                 <a:schemeClr val="tx1"/>
               </a:solidFill>
@@ -3283,8 +3720,8 @@
         </p:nvSpPr>
         <p:spPr>
           <a:xfrm>
-            <a:off x="6582010" y="128352"/>
-            <a:ext cx="2304000" cy="1369606"/>
+            <a:off x="4936507" y="85616"/>
+            <a:ext cx="1754006" cy="1050288"/>
           </a:xfrm>
           <a:prstGeom prst="rect">
             <a:avLst/>
@@ -3298,53 +3735,53 @@
           <a:lstStyle/>
           <a:p>
             <a:r>
-              <a:rPr lang="es-CO" sz="1400" dirty="0" smtClean="0"/>
+              <a:rPr lang="es-CO" sz="1050" dirty="0"/>
               <a:t>30 Septiembre de 2021</a:t>
             </a:r>
           </a:p>
           <a:p>
             <a:r>
-              <a:rPr lang="es-CO" sz="1400" dirty="0" err="1" smtClean="0"/>
+              <a:rPr lang="es-CO" sz="1050" dirty="0" err="1"/>
               <a:t>Cot</a:t>
             </a:r>
             <a:r>
-              <a:rPr lang="es-CO" sz="1400" dirty="0" smtClean="0"/>
+              <a:rPr lang="es-CO" sz="1050" dirty="0"/>
               <a:t> N° 3245</a:t>
             </a:r>
           </a:p>
           <a:p>
-            <a:endParaRPr lang="es-CO" sz="1100" dirty="0" smtClean="0"/>
-          </a:p>
-          <a:p>
-            <a:r>
-              <a:rPr lang="es-CO" sz="1100" b="1" dirty="0" smtClean="0"/>
+            <a:endParaRPr lang="es-CO" sz="825" dirty="0"/>
+          </a:p>
+          <a:p>
+            <a:r>
+              <a:rPr lang="es-CO" sz="825" b="1" dirty="0"/>
               <a:t>Asesor Comercial:</a:t>
             </a:r>
           </a:p>
           <a:p>
             <a:r>
-              <a:rPr lang="es-CO" sz="1100" dirty="0" smtClean="0"/>
+              <a:rPr lang="es-CO" sz="825" dirty="0"/>
               <a:t>Carlos </a:t>
             </a:r>
             <a:r>
-              <a:rPr lang="es-CO" sz="1100" dirty="0"/>
+              <a:rPr lang="es-CO" sz="825" dirty="0"/>
               <a:t>Uribe</a:t>
             </a:r>
             <a:br>
-              <a:rPr lang="es-CO" sz="1100" dirty="0"/>
+              <a:rPr lang="es-CO" sz="825" dirty="0"/>
             </a:br>
             <a:r>
-              <a:rPr lang="es-CO" sz="1100" dirty="0"/>
+              <a:rPr lang="es-CO" sz="825" dirty="0"/>
               <a:t>316 324 05 27 / (4) 322 3662 ext.106</a:t>
             </a:r>
             <a:br>
-              <a:rPr lang="es-CO" sz="1100" dirty="0"/>
+              <a:rPr lang="es-CO" sz="825" dirty="0"/>
             </a:br>
             <a:r>
-              <a:rPr lang="es-CO" sz="1100" dirty="0"/>
+              <a:rPr lang="es-CO" sz="825" dirty="0"/>
               <a:t>curibe@magicmedios.com</a:t>
             </a:r>
-            <a:endParaRPr sz="1100" dirty="0"/>
+            <a:endParaRPr sz="825" dirty="0"/>
           </a:p>
         </p:txBody>
       </p:sp>
@@ -3355,7 +3792,7 @@
           <p:nvPr/>
         </p:nvPicPr>
         <p:blipFill>
-          <a:blip r:embed="rId2" cstate="print">
+          <a:blip r:embed="rId3" cstate="print">
             <a:extLst>
               <a:ext uri="{28A0092B-C50C-407E-A947-70E740481C1C}">
                 <a14:useLocalDpi xmlns:a14="http://schemas.microsoft.com/office/drawing/2010/main" val="0"/>
@@ -3368,8 +3805,8 @@
         </p:blipFill>
         <p:spPr>
           <a:xfrm>
-            <a:off x="316992" y="128352"/>
-            <a:ext cx="3204000" cy="612000"/>
+            <a:off x="254013" y="128194"/>
+            <a:ext cx="2403000" cy="459000"/>
           </a:xfrm>
           <a:prstGeom prst="rect">
             <a:avLst/>
@@ -3384,8 +3821,8 @@
         </p:nvSpPr>
         <p:spPr>
           <a:xfrm>
-            <a:off x="309468" y="813155"/>
-            <a:ext cx="1565429" cy="523220"/>
+            <a:off x="182761" y="753271"/>
+            <a:ext cx="1223412" cy="415498"/>
           </a:xfrm>
           <a:prstGeom prst="rect">
             <a:avLst/>
@@ -3399,20 +3836,20 @@
           <a:lstStyle/>
           <a:p>
             <a:r>
-              <a:rPr lang="es-CO" sz="1400" dirty="0" smtClean="0"/>
+              <a:rPr lang="es-CO" sz="1050" dirty="0"/>
               <a:t>Señor(a) Lina Velez</a:t>
             </a:r>
           </a:p>
           <a:p>
             <a:r>
-              <a:rPr lang="es-CO" sz="1400" dirty="0" smtClean="0"/>
+              <a:rPr lang="es-CO" sz="1050" dirty="0"/>
               <a:t>Inversiones </a:t>
             </a:r>
             <a:r>
-              <a:rPr lang="es-CO" sz="1400" dirty="0" err="1" smtClean="0"/>
+              <a:rPr lang="es-CO" sz="1050" dirty="0" err="1"/>
               <a:t>Lazus</a:t>
             </a:r>
-            <a:endParaRPr sz="1100" dirty="0"/>
+            <a:endParaRPr sz="825" dirty="0"/>
           </a:p>
         </p:txBody>
       </p:sp>
@@ -3425,14 +3862,14 @@
           <p:nvPr>
             <p:extLst>
               <p:ext uri="{D42A27DB-BD31-4B8C-83A1-F6EECF244321}">
-                <p14:modId xmlns:p14="http://schemas.microsoft.com/office/powerpoint/2010/main" val="2259850683"/>
+                <p14:modId xmlns:p14="http://schemas.microsoft.com/office/powerpoint/2010/main" val="210829370"/>
               </p:ext>
             </p:extLst>
           </p:nvPr>
         </p:nvGraphicFramePr>
         <p:xfrm>
-          <a:off x="434897" y="3632509"/>
-          <a:ext cx="2880000" cy="3060000"/>
+          <a:off x="182761" y="3065361"/>
+          <a:ext cx="2160000" cy="2295000"/>
         </p:xfrm>
         <a:graphic>
           <a:graphicData uri="http://schemas.openxmlformats.org/drawingml/2006/table">
@@ -3441,10 +3878,10 @@
                 <a:tableStyleId>{2D5ABB26-0587-4C30-8999-92F81FD0307C}</a:tableStyleId>
               </a:tblPr>
               <a:tblGrid>
-                <a:gridCol w="1440000"/>
-                <a:gridCol w="1440000"/>
+                <a:gridCol w="1080000"/>
+                <a:gridCol w="1080000"/>
               </a:tblGrid>
-              <a:tr h="180000">
+              <a:tr h="135000">
                 <a:tc>
                   <a:txBody>
                     <a:bodyPr/>
@@ -3459,12 +3896,12 @@
                         </a:spcAft>
                       </a:pPr>
                       <a:r>
-                        <a:rPr lang="es-CO" sz="1100" dirty="0">
+                        <a:rPr lang="es-CO" sz="800" dirty="0">
                           <a:effectLst/>
                         </a:rPr>
                         <a:t>Blanco / Azul Neón</a:t>
                       </a:r>
-                      <a:endParaRPr lang="es-CO" sz="1100" dirty="0">
+                      <a:endParaRPr lang="es-CO" sz="800" dirty="0">
                         <a:effectLst/>
                         <a:latin typeface="Calibri" panose="020F0502020204030204" pitchFamily="34" charset="0"/>
                         <a:ea typeface="Times New Roman" panose="02020603050405020304" pitchFamily="18" charset="0"/>
@@ -3472,7 +3909,7 @@
                       </a:endParaRPr>
                     </a:p>
                   </a:txBody>
-                  <a:tcPr marL="68580" marR="68580" marT="0" marB="0"/>
+                  <a:tcPr marL="51435" marR="51435" marT="0" marB="0"/>
                 </a:tc>
                 <a:tc>
                   <a:txBody>
@@ -3488,12 +3925,12 @@
                         </a:spcAft>
                       </a:pPr>
                       <a:r>
-                        <a:rPr lang="es-CO" sz="1100">
+                        <a:rPr lang="es-CO" sz="800">
                           <a:effectLst/>
                         </a:rPr>
                         <a:t>545</a:t>
                       </a:r>
-                      <a:endParaRPr lang="es-CO" sz="1100">
+                      <a:endParaRPr lang="es-CO" sz="800">
                         <a:effectLst/>
                         <a:latin typeface="Calibri" panose="020F0502020204030204" pitchFamily="34" charset="0"/>
                         <a:ea typeface="Times New Roman" panose="02020603050405020304" pitchFamily="18" charset="0"/>
@@ -3501,10 +3938,10 @@
                       </a:endParaRPr>
                     </a:p>
                   </a:txBody>
-                  <a:tcPr marL="68580" marR="68580" marT="0" marB="0"/>
+                  <a:tcPr marL="51435" marR="51435" marT="0" marB="0"/>
                 </a:tc>
               </a:tr>
-              <a:tr h="180000">
+              <a:tr h="135000">
                 <a:tc>
                   <a:txBody>
                     <a:bodyPr/>
@@ -3519,12 +3956,12 @@
                         </a:spcAft>
                       </a:pPr>
                       <a:r>
-                        <a:rPr lang="es-CO" sz="1100">
+                        <a:rPr lang="es-CO" sz="800">
                           <a:effectLst/>
                         </a:rPr>
                         <a:t>Naranja Neón / Blanco</a:t>
                       </a:r>
-                      <a:endParaRPr lang="es-CO" sz="1100">
+                      <a:endParaRPr lang="es-CO" sz="800">
                         <a:effectLst/>
                         <a:latin typeface="Calibri" panose="020F0502020204030204" pitchFamily="34" charset="0"/>
                         <a:ea typeface="Times New Roman" panose="02020603050405020304" pitchFamily="18" charset="0"/>
@@ -3532,7 +3969,7 @@
                       </a:endParaRPr>
                     </a:p>
                   </a:txBody>
-                  <a:tcPr marL="68580" marR="68580" marT="0" marB="0"/>
+                  <a:tcPr marL="51435" marR="51435" marT="0" marB="0"/>
                 </a:tc>
                 <a:tc>
                   <a:txBody>
@@ -3548,12 +3985,12 @@
                         </a:spcAft>
                       </a:pPr>
                       <a:r>
-                        <a:rPr lang="es-CO" sz="1100">
+                        <a:rPr lang="es-CO" sz="800">
                           <a:effectLst/>
                         </a:rPr>
                         <a:t>5747</a:t>
                       </a:r>
-                      <a:endParaRPr lang="es-CO" sz="1100">
+                      <a:endParaRPr lang="es-CO" sz="800">
                         <a:effectLst/>
                         <a:latin typeface="Calibri" panose="020F0502020204030204" pitchFamily="34" charset="0"/>
                         <a:ea typeface="Times New Roman" panose="02020603050405020304" pitchFamily="18" charset="0"/>
@@ -3561,10 +3998,10 @@
                       </a:endParaRPr>
                     </a:p>
                   </a:txBody>
-                  <a:tcPr marL="68580" marR="68580" marT="0" marB="0"/>
+                  <a:tcPr marL="51435" marR="51435" marT="0" marB="0"/>
                 </a:tc>
               </a:tr>
-              <a:tr h="180000">
+              <a:tr h="135000">
                 <a:tc>
                   <a:txBody>
                     <a:bodyPr/>
@@ -3579,12 +4016,12 @@
                         </a:spcAft>
                       </a:pPr>
                       <a:r>
-                        <a:rPr lang="es-CO" sz="1100">
+                        <a:rPr lang="es-CO" sz="800">
                           <a:effectLst/>
                         </a:rPr>
                         <a:t>Blanco / Rosado Neón</a:t>
                       </a:r>
-                      <a:endParaRPr lang="es-CO" sz="1100">
+                      <a:endParaRPr lang="es-CO" sz="800">
                         <a:effectLst/>
                         <a:latin typeface="Calibri" panose="020F0502020204030204" pitchFamily="34" charset="0"/>
                         <a:ea typeface="Times New Roman" panose="02020603050405020304" pitchFamily="18" charset="0"/>
@@ -3592,7 +4029,7 @@
                       </a:endParaRPr>
                     </a:p>
                   </a:txBody>
-                  <a:tcPr marL="68580" marR="68580" marT="0" marB="0"/>
+                  <a:tcPr marL="51435" marR="51435" marT="0" marB="0"/>
                 </a:tc>
                 <a:tc>
                   <a:txBody>
@@ -3608,12 +4045,12 @@
                         </a:spcAft>
                       </a:pPr>
                       <a:r>
-                        <a:rPr lang="es-CO" sz="1100">
+                        <a:rPr lang="es-CO" sz="800">
                           <a:effectLst/>
                         </a:rPr>
                         <a:t>3398</a:t>
                       </a:r>
-                      <a:endParaRPr lang="es-CO" sz="1100">
+                      <a:endParaRPr lang="es-CO" sz="800">
                         <a:effectLst/>
                         <a:latin typeface="Calibri" panose="020F0502020204030204" pitchFamily="34" charset="0"/>
                         <a:ea typeface="Times New Roman" panose="02020603050405020304" pitchFamily="18" charset="0"/>
@@ -3621,10 +4058,10 @@
                       </a:endParaRPr>
                     </a:p>
                   </a:txBody>
-                  <a:tcPr marL="68580" marR="68580" marT="0" marB="0"/>
+                  <a:tcPr marL="51435" marR="51435" marT="0" marB="0"/>
                 </a:tc>
               </a:tr>
-              <a:tr h="180000">
+              <a:tr h="135000">
                 <a:tc>
                   <a:txBody>
                     <a:bodyPr/>
@@ -3639,12 +4076,12 @@
                         </a:spcAft>
                       </a:pPr>
                       <a:r>
-                        <a:rPr lang="es-CO" sz="1100">
+                        <a:rPr lang="es-CO" sz="800">
                           <a:effectLst/>
                         </a:rPr>
                         <a:t>Blanco / Verde Neón</a:t>
                       </a:r>
-                      <a:endParaRPr lang="es-CO" sz="1100">
+                      <a:endParaRPr lang="es-CO" sz="800">
                         <a:effectLst/>
                         <a:latin typeface="Calibri" panose="020F0502020204030204" pitchFamily="34" charset="0"/>
                         <a:ea typeface="Times New Roman" panose="02020603050405020304" pitchFamily="18" charset="0"/>
@@ -3652,7 +4089,7 @@
                       </a:endParaRPr>
                     </a:p>
                   </a:txBody>
-                  <a:tcPr marL="68580" marR="68580" marT="0" marB="0"/>
+                  <a:tcPr marL="51435" marR="51435" marT="0" marB="0"/>
                 </a:tc>
                 <a:tc>
                   <a:txBody>
@@ -3668,12 +4105,12 @@
                         </a:spcAft>
                       </a:pPr>
                       <a:r>
-                        <a:rPr lang="es-CO" sz="1100">
+                        <a:rPr lang="es-CO" sz="800">
                           <a:effectLst/>
                         </a:rPr>
                         <a:t>4548</a:t>
                       </a:r>
-                      <a:endParaRPr lang="es-CO" sz="1100">
+                      <a:endParaRPr lang="es-CO" sz="800">
                         <a:effectLst/>
                         <a:latin typeface="Calibri" panose="020F0502020204030204" pitchFamily="34" charset="0"/>
                         <a:ea typeface="Times New Roman" panose="02020603050405020304" pitchFamily="18" charset="0"/>
@@ -3681,10 +4118,10 @@
                       </a:endParaRPr>
                     </a:p>
                   </a:txBody>
-                  <a:tcPr marL="68580" marR="68580" marT="0" marB="0"/>
+                  <a:tcPr marL="51435" marR="51435" marT="0" marB="0"/>
                 </a:tc>
               </a:tr>
-              <a:tr h="180000">
+              <a:tr h="135000">
                 <a:tc>
                   <a:txBody>
                     <a:bodyPr/>
@@ -3699,12 +4136,12 @@
                         </a:spcAft>
                       </a:pPr>
                       <a:r>
-                        <a:rPr lang="es-CO" sz="1100">
+                        <a:rPr lang="es-CO" sz="800">
                           <a:effectLst/>
                         </a:rPr>
                         <a:t>Blanco / Azul Oscuro</a:t>
                       </a:r>
-                      <a:endParaRPr lang="es-CO" sz="1100">
+                      <a:endParaRPr lang="es-CO" sz="800">
                         <a:effectLst/>
                         <a:latin typeface="Calibri" panose="020F0502020204030204" pitchFamily="34" charset="0"/>
                         <a:ea typeface="Times New Roman" panose="02020603050405020304" pitchFamily="18" charset="0"/>
@@ -3712,7 +4149,7 @@
                       </a:endParaRPr>
                     </a:p>
                   </a:txBody>
-                  <a:tcPr marL="68580" marR="68580" marT="0" marB="0"/>
+                  <a:tcPr marL="51435" marR="51435" marT="0" marB="0"/>
                 </a:tc>
                 <a:tc>
                   <a:txBody>
@@ -3728,12 +4165,12 @@
                         </a:spcAft>
                       </a:pPr>
                       <a:r>
-                        <a:rPr lang="es-CO" sz="1100">
+                        <a:rPr lang="es-CO" sz="800">
                           <a:effectLst/>
                         </a:rPr>
                         <a:t>13405</a:t>
                       </a:r>
-                      <a:endParaRPr lang="es-CO" sz="1100">
+                      <a:endParaRPr lang="es-CO" sz="800">
                         <a:effectLst/>
                         <a:latin typeface="Calibri" panose="020F0502020204030204" pitchFamily="34" charset="0"/>
                         <a:ea typeface="Times New Roman" panose="02020603050405020304" pitchFamily="18" charset="0"/>
@@ -3741,10 +4178,10 @@
                       </a:endParaRPr>
                     </a:p>
                   </a:txBody>
-                  <a:tcPr marL="68580" marR="68580" marT="0" marB="0"/>
+                  <a:tcPr marL="51435" marR="51435" marT="0" marB="0"/>
                 </a:tc>
               </a:tr>
-              <a:tr h="180000">
+              <a:tr h="135000">
                 <a:tc>
                   <a:txBody>
                     <a:bodyPr/>
@@ -3759,12 +4196,12 @@
                         </a:spcAft>
                       </a:pPr>
                       <a:r>
-                        <a:rPr lang="es-CO" sz="1100" dirty="0">
+                        <a:rPr lang="es-CO" sz="800" dirty="0">
                           <a:effectLst/>
                         </a:rPr>
                         <a:t>Blanco / Azul Rey</a:t>
                       </a:r>
-                      <a:endParaRPr lang="es-CO" sz="1100" dirty="0">
+                      <a:endParaRPr lang="es-CO" sz="800" dirty="0">
                         <a:effectLst/>
                         <a:latin typeface="Calibri" panose="020F0502020204030204" pitchFamily="34" charset="0"/>
                         <a:ea typeface="Times New Roman" panose="02020603050405020304" pitchFamily="18" charset="0"/>
@@ -3772,7 +4209,7 @@
                       </a:endParaRPr>
                     </a:p>
                   </a:txBody>
-                  <a:tcPr marL="68580" marR="68580" marT="0" marB="0"/>
+                  <a:tcPr marL="51435" marR="51435" marT="0" marB="0"/>
                 </a:tc>
                 <a:tc>
                   <a:txBody>
@@ -3788,12 +4225,12 @@
                         </a:spcAft>
                       </a:pPr>
                       <a:r>
-                        <a:rPr lang="es-CO" sz="1100">
+                        <a:rPr lang="es-CO" sz="800">
                           <a:effectLst/>
                         </a:rPr>
                         <a:t>9965</a:t>
                       </a:r>
-                      <a:endParaRPr lang="es-CO" sz="1100">
+                      <a:endParaRPr lang="es-CO" sz="800">
                         <a:effectLst/>
                         <a:latin typeface="Calibri" panose="020F0502020204030204" pitchFamily="34" charset="0"/>
                         <a:ea typeface="Times New Roman" panose="02020603050405020304" pitchFamily="18" charset="0"/>
@@ -3801,10 +4238,10 @@
                       </a:endParaRPr>
                     </a:p>
                   </a:txBody>
-                  <a:tcPr marL="68580" marR="68580" marT="0" marB="0"/>
+                  <a:tcPr marL="51435" marR="51435" marT="0" marB="0"/>
                 </a:tc>
               </a:tr>
-              <a:tr h="180000">
+              <a:tr h="135000">
                 <a:tc>
                   <a:txBody>
                     <a:bodyPr/>
@@ -3819,12 +4256,12 @@
                         </a:spcAft>
                       </a:pPr>
                       <a:r>
-                        <a:rPr lang="es-CO" sz="1100" dirty="0">
+                        <a:rPr lang="es-CO" sz="800" dirty="0">
                           <a:effectLst/>
                         </a:rPr>
                         <a:t>Blanco / Naranja</a:t>
                       </a:r>
-                      <a:endParaRPr lang="es-CO" sz="1100" dirty="0">
+                      <a:endParaRPr lang="es-CO" sz="800" dirty="0">
                         <a:effectLst/>
                         <a:latin typeface="Calibri" panose="020F0502020204030204" pitchFamily="34" charset="0"/>
                         <a:ea typeface="Times New Roman" panose="02020603050405020304" pitchFamily="18" charset="0"/>
@@ -3832,7 +4269,7 @@
                       </a:endParaRPr>
                     </a:p>
                   </a:txBody>
-                  <a:tcPr marL="68580" marR="68580" marT="0" marB="0"/>
+                  <a:tcPr marL="51435" marR="51435" marT="0" marB="0"/>
                 </a:tc>
                 <a:tc>
                   <a:txBody>
@@ -3848,12 +4285,12 @@
                         </a:spcAft>
                       </a:pPr>
                       <a:r>
-                        <a:rPr lang="es-CO" sz="1100">
+                        <a:rPr lang="es-CO" sz="800">
                           <a:effectLst/>
                         </a:rPr>
                         <a:t>1421</a:t>
                       </a:r>
-                      <a:endParaRPr lang="es-CO" sz="1100">
+                      <a:endParaRPr lang="es-CO" sz="800">
                         <a:effectLst/>
                         <a:latin typeface="Calibri" panose="020F0502020204030204" pitchFamily="34" charset="0"/>
                         <a:ea typeface="Times New Roman" panose="02020603050405020304" pitchFamily="18" charset="0"/>
@@ -3861,10 +4298,10 @@
                       </a:endParaRPr>
                     </a:p>
                   </a:txBody>
-                  <a:tcPr marL="68580" marR="68580" marT="0" marB="0"/>
+                  <a:tcPr marL="51435" marR="51435" marT="0" marB="0"/>
                 </a:tc>
               </a:tr>
-              <a:tr h="180000">
+              <a:tr h="135000">
                 <a:tc>
                   <a:txBody>
                     <a:bodyPr/>
@@ -3879,12 +4316,12 @@
                         </a:spcAft>
                       </a:pPr>
                       <a:r>
-                        <a:rPr lang="es-CO" sz="1100">
+                        <a:rPr lang="es-CO" sz="800">
                           <a:effectLst/>
                         </a:rPr>
                         <a:t>Blanco / Negro</a:t>
                       </a:r>
-                      <a:endParaRPr lang="es-CO" sz="1100">
+                      <a:endParaRPr lang="es-CO" sz="800">
                         <a:effectLst/>
                         <a:latin typeface="Calibri" panose="020F0502020204030204" pitchFamily="34" charset="0"/>
                         <a:ea typeface="Times New Roman" panose="02020603050405020304" pitchFamily="18" charset="0"/>
@@ -3892,7 +4329,7 @@
                       </a:endParaRPr>
                     </a:p>
                   </a:txBody>
-                  <a:tcPr marL="68580" marR="68580" marT="0" marB="0"/>
+                  <a:tcPr marL="51435" marR="51435" marT="0" marB="0"/>
                 </a:tc>
                 <a:tc>
                   <a:txBody>
@@ -3908,12 +4345,12 @@
                         </a:spcAft>
                       </a:pPr>
                       <a:r>
-                        <a:rPr lang="es-CO" sz="1100">
+                        <a:rPr lang="es-CO" sz="800">
                           <a:effectLst/>
                         </a:rPr>
                         <a:t>11398</a:t>
                       </a:r>
-                      <a:endParaRPr lang="es-CO" sz="1100">
+                      <a:endParaRPr lang="es-CO" sz="800">
                         <a:effectLst/>
                         <a:latin typeface="Calibri" panose="020F0502020204030204" pitchFamily="34" charset="0"/>
                         <a:ea typeface="Times New Roman" panose="02020603050405020304" pitchFamily="18" charset="0"/>
@@ -3921,10 +4358,10 @@
                       </a:endParaRPr>
                     </a:p>
                   </a:txBody>
-                  <a:tcPr marL="68580" marR="68580" marT="0" marB="0"/>
+                  <a:tcPr marL="51435" marR="51435" marT="0" marB="0"/>
                 </a:tc>
               </a:tr>
-              <a:tr h="180000">
+              <a:tr h="135000">
                 <a:tc>
                   <a:txBody>
                     <a:bodyPr/>
@@ -3939,12 +4376,12 @@
                         </a:spcAft>
                       </a:pPr>
                       <a:r>
-                        <a:rPr lang="es-CO" sz="1100">
+                        <a:rPr lang="es-CO" sz="800">
                           <a:effectLst/>
                         </a:rPr>
                         <a:t>Blanco / Rojo</a:t>
                       </a:r>
-                      <a:endParaRPr lang="es-CO" sz="1100">
+                      <a:endParaRPr lang="es-CO" sz="800">
                         <a:effectLst/>
                         <a:latin typeface="Calibri" panose="020F0502020204030204" pitchFamily="34" charset="0"/>
                         <a:ea typeface="Times New Roman" panose="02020603050405020304" pitchFamily="18" charset="0"/>
@@ -3952,7 +4389,7 @@
                       </a:endParaRPr>
                     </a:p>
                   </a:txBody>
-                  <a:tcPr marL="68580" marR="68580" marT="0" marB="0"/>
+                  <a:tcPr marL="51435" marR="51435" marT="0" marB="0"/>
                 </a:tc>
                 <a:tc>
                   <a:txBody>
@@ -3968,12 +4405,12 @@
                         </a:spcAft>
                       </a:pPr>
                       <a:r>
-                        <a:rPr lang="es-CO" sz="1100" dirty="0">
+                        <a:rPr lang="es-CO" sz="800" dirty="0">
                           <a:effectLst/>
                         </a:rPr>
                         <a:t>13</a:t>
                       </a:r>
-                      <a:endParaRPr lang="es-CO" sz="1100" dirty="0">
+                      <a:endParaRPr lang="es-CO" sz="800" dirty="0">
                         <a:effectLst/>
                         <a:latin typeface="Calibri" panose="020F0502020204030204" pitchFamily="34" charset="0"/>
                         <a:ea typeface="Times New Roman" panose="02020603050405020304" pitchFamily="18" charset="0"/>
@@ -3981,10 +4418,10 @@
                       </a:endParaRPr>
                     </a:p>
                   </a:txBody>
-                  <a:tcPr marL="68580" marR="68580" marT="0" marB="0"/>
+                  <a:tcPr marL="51435" marR="51435" marT="0" marB="0"/>
                 </a:tc>
               </a:tr>
-              <a:tr h="180000">
+              <a:tr h="135000">
                 <a:tc>
                   <a:txBody>
                     <a:bodyPr/>
@@ -3999,12 +4436,12 @@
                         </a:spcAft>
                       </a:pPr>
                       <a:r>
-                        <a:rPr lang="es-CO" sz="1100">
+                        <a:rPr lang="es-CO" sz="800">
                           <a:effectLst/>
                         </a:rPr>
                         <a:t>Blanco / Verde</a:t>
                       </a:r>
-                      <a:endParaRPr lang="es-CO" sz="1100">
+                      <a:endParaRPr lang="es-CO" sz="800">
                         <a:effectLst/>
                         <a:latin typeface="Calibri" panose="020F0502020204030204" pitchFamily="34" charset="0"/>
                         <a:ea typeface="Times New Roman" panose="02020603050405020304" pitchFamily="18" charset="0"/>
@@ -4012,7 +4449,7 @@
                       </a:endParaRPr>
                     </a:p>
                   </a:txBody>
-                  <a:tcPr marL="68580" marR="68580" marT="0" marB="0"/>
+                  <a:tcPr marL="51435" marR="51435" marT="0" marB="0"/>
                 </a:tc>
                 <a:tc>
                   <a:txBody>
@@ -4028,12 +4465,12 @@
                         </a:spcAft>
                       </a:pPr>
                       <a:r>
-                        <a:rPr lang="es-CO" sz="1100">
+                        <a:rPr lang="es-CO" sz="800">
                           <a:effectLst/>
                         </a:rPr>
                         <a:t>6035</a:t>
                       </a:r>
-                      <a:endParaRPr lang="es-CO" sz="1100">
+                      <a:endParaRPr lang="es-CO" sz="800">
                         <a:effectLst/>
                         <a:latin typeface="Calibri" panose="020F0502020204030204" pitchFamily="34" charset="0"/>
                         <a:ea typeface="Times New Roman" panose="02020603050405020304" pitchFamily="18" charset="0"/>
@@ -4041,10 +4478,10 @@
                       </a:endParaRPr>
                     </a:p>
                   </a:txBody>
-                  <a:tcPr marL="68580" marR="68580" marT="0" marB="0"/>
+                  <a:tcPr marL="51435" marR="51435" marT="0" marB="0"/>
                 </a:tc>
               </a:tr>
-              <a:tr h="180000">
+              <a:tr h="135000">
                 <a:tc>
                   <a:txBody>
                     <a:bodyPr/>
@@ -4059,12 +4496,12 @@
                         </a:spcAft>
                       </a:pPr>
                       <a:r>
-                        <a:rPr lang="es-CO" sz="1100" dirty="0">
+                        <a:rPr lang="es-CO" sz="800" dirty="0">
                           <a:effectLst/>
                         </a:rPr>
                         <a:t>Amarillo</a:t>
                       </a:r>
-                      <a:endParaRPr lang="es-CO" sz="1100" dirty="0">
+                      <a:endParaRPr lang="es-CO" sz="800" dirty="0">
                         <a:effectLst/>
                         <a:latin typeface="Calibri" panose="020F0502020204030204" pitchFamily="34" charset="0"/>
                         <a:ea typeface="Times New Roman" panose="02020603050405020304" pitchFamily="18" charset="0"/>
@@ -4072,7 +4509,7 @@
                       </a:endParaRPr>
                     </a:p>
                   </a:txBody>
-                  <a:tcPr marL="68580" marR="68580" marT="0" marB="0"/>
+                  <a:tcPr marL="51435" marR="51435" marT="0" marB="0"/>
                 </a:tc>
                 <a:tc>
                   <a:txBody>
@@ -4088,12 +4525,12 @@
                         </a:spcAft>
                       </a:pPr>
                       <a:r>
-                        <a:rPr lang="es-CO" sz="1100">
+                        <a:rPr lang="es-CO" sz="800">
                           <a:effectLst/>
                         </a:rPr>
                         <a:t>50</a:t>
                       </a:r>
-                      <a:endParaRPr lang="es-CO" sz="1100">
+                      <a:endParaRPr lang="es-CO" sz="800">
                         <a:effectLst/>
                         <a:latin typeface="Calibri" panose="020F0502020204030204" pitchFamily="34" charset="0"/>
                         <a:ea typeface="Times New Roman" panose="02020603050405020304" pitchFamily="18" charset="0"/>
@@ -4101,10 +4538,10 @@
                       </a:endParaRPr>
                     </a:p>
                   </a:txBody>
-                  <a:tcPr marL="68580" marR="68580" marT="0" marB="0"/>
+                  <a:tcPr marL="51435" marR="51435" marT="0" marB="0"/>
                 </a:tc>
               </a:tr>
-              <a:tr h="180000">
+              <a:tr h="135000">
                 <a:tc>
                   <a:txBody>
                     <a:bodyPr/>
@@ -4119,12 +4556,12 @@
                         </a:spcAft>
                       </a:pPr>
                       <a:r>
-                        <a:rPr lang="es-CO" sz="1100">
+                        <a:rPr lang="es-CO" sz="800">
                           <a:effectLst/>
                         </a:rPr>
                         <a:t>Azul Rey</a:t>
                       </a:r>
-                      <a:endParaRPr lang="es-CO" sz="1100">
+                      <a:endParaRPr lang="es-CO" sz="800">
                         <a:effectLst/>
                         <a:latin typeface="Calibri" panose="020F0502020204030204" pitchFamily="34" charset="0"/>
                         <a:ea typeface="Times New Roman" panose="02020603050405020304" pitchFamily="18" charset="0"/>
@@ -4132,7 +4569,7 @@
                       </a:endParaRPr>
                     </a:p>
                   </a:txBody>
-                  <a:tcPr marL="68580" marR="68580" marT="0" marB="0"/>
+                  <a:tcPr marL="51435" marR="51435" marT="0" marB="0"/>
                 </a:tc>
                 <a:tc>
                   <a:txBody>
@@ -4148,12 +4585,12 @@
                         </a:spcAft>
                       </a:pPr>
                       <a:r>
-                        <a:rPr lang="es-CO" sz="1100">
+                        <a:rPr lang="es-CO" sz="800">
                           <a:effectLst/>
                         </a:rPr>
                         <a:t>18663</a:t>
                       </a:r>
-                      <a:endParaRPr lang="es-CO" sz="1100">
+                      <a:endParaRPr lang="es-CO" sz="800">
                         <a:effectLst/>
                         <a:latin typeface="Calibri" panose="020F0502020204030204" pitchFamily="34" charset="0"/>
                         <a:ea typeface="Times New Roman" panose="02020603050405020304" pitchFamily="18" charset="0"/>
@@ -4161,10 +4598,10 @@
                       </a:endParaRPr>
                     </a:p>
                   </a:txBody>
-                  <a:tcPr marL="68580" marR="68580" marT="0" marB="0"/>
+                  <a:tcPr marL="51435" marR="51435" marT="0" marB="0"/>
                 </a:tc>
               </a:tr>
-              <a:tr h="180000">
+              <a:tr h="135000">
                 <a:tc>
                   <a:txBody>
                     <a:bodyPr/>
@@ -4179,12 +4616,12 @@
                         </a:spcAft>
                       </a:pPr>
                       <a:r>
-                        <a:rPr lang="es-CO" sz="1100">
+                        <a:rPr lang="es-CO" sz="800">
                           <a:effectLst/>
                         </a:rPr>
                         <a:t>Negro</a:t>
                       </a:r>
-                      <a:endParaRPr lang="es-CO" sz="1100">
+                      <a:endParaRPr lang="es-CO" sz="800">
                         <a:effectLst/>
                         <a:latin typeface="Calibri" panose="020F0502020204030204" pitchFamily="34" charset="0"/>
                         <a:ea typeface="Times New Roman" panose="02020603050405020304" pitchFamily="18" charset="0"/>
@@ -4192,7 +4629,7 @@
                       </a:endParaRPr>
                     </a:p>
                   </a:txBody>
-                  <a:tcPr marL="68580" marR="68580" marT="0" marB="0"/>
+                  <a:tcPr marL="51435" marR="51435" marT="0" marB="0"/>
                 </a:tc>
                 <a:tc>
                   <a:txBody>
@@ -4208,12 +4645,12 @@
                         </a:spcAft>
                       </a:pPr>
                       <a:r>
-                        <a:rPr lang="es-CO" sz="1100">
+                        <a:rPr lang="es-CO" sz="800">
                           <a:effectLst/>
                         </a:rPr>
                         <a:t>1</a:t>
                       </a:r>
-                      <a:endParaRPr lang="es-CO" sz="1100">
+                      <a:endParaRPr lang="es-CO" sz="800">
                         <a:effectLst/>
                         <a:latin typeface="Calibri" panose="020F0502020204030204" pitchFamily="34" charset="0"/>
                         <a:ea typeface="Times New Roman" panose="02020603050405020304" pitchFamily="18" charset="0"/>
@@ -4221,10 +4658,10 @@
                       </a:endParaRPr>
                     </a:p>
                   </a:txBody>
-                  <a:tcPr marL="68580" marR="68580" marT="0" marB="0"/>
+                  <a:tcPr marL="51435" marR="51435" marT="0" marB="0"/>
                 </a:tc>
               </a:tr>
-              <a:tr h="180000">
+              <a:tr h="135000">
                 <a:tc>
                   <a:txBody>
                     <a:bodyPr/>
@@ -4239,12 +4676,12 @@
                         </a:spcAft>
                       </a:pPr>
                       <a:r>
-                        <a:rPr lang="es-CO" sz="1100">
+                        <a:rPr lang="es-CO" sz="800">
                           <a:effectLst/>
                         </a:rPr>
                         <a:t>Rojo</a:t>
                       </a:r>
-                      <a:endParaRPr lang="es-CO" sz="1100">
+                      <a:endParaRPr lang="es-CO" sz="800">
                         <a:effectLst/>
                         <a:latin typeface="Calibri" panose="020F0502020204030204" pitchFamily="34" charset="0"/>
                         <a:ea typeface="Times New Roman" panose="02020603050405020304" pitchFamily="18" charset="0"/>
@@ -4252,7 +4689,7 @@
                       </a:endParaRPr>
                     </a:p>
                   </a:txBody>
-                  <a:tcPr marL="68580" marR="68580" marT="0" marB="0"/>
+                  <a:tcPr marL="51435" marR="51435" marT="0" marB="0"/>
                 </a:tc>
                 <a:tc>
                   <a:txBody>
@@ -4268,12 +4705,12 @@
                         </a:spcAft>
                       </a:pPr>
                       <a:r>
-                        <a:rPr lang="es-CO" sz="1100">
+                        <a:rPr lang="es-CO" sz="800">
                           <a:effectLst/>
                         </a:rPr>
                         <a:t>18975</a:t>
                       </a:r>
-                      <a:endParaRPr lang="es-CO" sz="1100">
+                      <a:endParaRPr lang="es-CO" sz="800">
                         <a:effectLst/>
                         <a:latin typeface="Calibri" panose="020F0502020204030204" pitchFamily="34" charset="0"/>
                         <a:ea typeface="Times New Roman" panose="02020603050405020304" pitchFamily="18" charset="0"/>
@@ -4281,10 +4718,10 @@
                       </a:endParaRPr>
                     </a:p>
                   </a:txBody>
-                  <a:tcPr marL="68580" marR="68580" marT="0" marB="0"/>
+                  <a:tcPr marL="51435" marR="51435" marT="0" marB="0"/>
                 </a:tc>
               </a:tr>
-              <a:tr h="180000">
+              <a:tr h="135000">
                 <a:tc>
                   <a:txBody>
                     <a:bodyPr/>
@@ -4299,12 +4736,12 @@
                         </a:spcAft>
                       </a:pPr>
                       <a:r>
-                        <a:rPr lang="es-CO" sz="1100">
+                        <a:rPr lang="es-CO" sz="800">
                           <a:effectLst/>
                         </a:rPr>
                         <a:t>Verde</a:t>
                       </a:r>
-                      <a:endParaRPr lang="es-CO" sz="1100">
+                      <a:endParaRPr lang="es-CO" sz="800">
                         <a:effectLst/>
                         <a:latin typeface="Calibri" panose="020F0502020204030204" pitchFamily="34" charset="0"/>
                         <a:ea typeface="Times New Roman" panose="02020603050405020304" pitchFamily="18" charset="0"/>
@@ -4312,7 +4749,7 @@
                       </a:endParaRPr>
                     </a:p>
                   </a:txBody>
-                  <a:tcPr marL="68580" marR="68580" marT="0" marB="0"/>
+                  <a:tcPr marL="51435" marR="51435" marT="0" marB="0"/>
                 </a:tc>
                 <a:tc>
                   <a:txBody>
@@ -4328,12 +4765,12 @@
                         </a:spcAft>
                       </a:pPr>
                       <a:r>
-                        <a:rPr lang="es-CO" sz="1100">
+                        <a:rPr lang="es-CO" sz="800">
                           <a:effectLst/>
                         </a:rPr>
                         <a:t>5363</a:t>
                       </a:r>
-                      <a:endParaRPr lang="es-CO" sz="1100">
+                      <a:endParaRPr lang="es-CO" sz="800">
                         <a:effectLst/>
                         <a:latin typeface="Calibri" panose="020F0502020204030204" pitchFamily="34" charset="0"/>
                         <a:ea typeface="Times New Roman" panose="02020603050405020304" pitchFamily="18" charset="0"/>
@@ -4341,10 +4778,10 @@
                       </a:endParaRPr>
                     </a:p>
                   </a:txBody>
-                  <a:tcPr marL="68580" marR="68580" marT="0" marB="0"/>
+                  <a:tcPr marL="51435" marR="51435" marT="0" marB="0"/>
                 </a:tc>
               </a:tr>
-              <a:tr h="180000">
+              <a:tr h="135000">
                 <a:tc>
                   <a:txBody>
                     <a:bodyPr/>
@@ -4359,12 +4796,12 @@
                         </a:spcAft>
                       </a:pPr>
                       <a:r>
-                        <a:rPr lang="es-CO" sz="1100">
+                        <a:rPr lang="es-CO" sz="800">
                           <a:effectLst/>
                         </a:rPr>
                         <a:t>Azul Oscuro</a:t>
                       </a:r>
-                      <a:endParaRPr lang="es-CO" sz="1100">
+                      <a:endParaRPr lang="es-CO" sz="800">
                         <a:effectLst/>
                         <a:latin typeface="Calibri" panose="020F0502020204030204" pitchFamily="34" charset="0"/>
                         <a:ea typeface="Times New Roman" panose="02020603050405020304" pitchFamily="18" charset="0"/>
@@ -4372,7 +4809,7 @@
                       </a:endParaRPr>
                     </a:p>
                   </a:txBody>
-                  <a:tcPr marL="68580" marR="68580" marT="0" marB="0"/>
+                  <a:tcPr marL="51435" marR="51435" marT="0" marB="0"/>
                 </a:tc>
                 <a:tc>
                   <a:txBody>
@@ -4388,12 +4825,12 @@
                         </a:spcAft>
                       </a:pPr>
                       <a:r>
-                        <a:rPr lang="es-CO" sz="1100">
+                        <a:rPr lang="es-CO" sz="800">
                           <a:effectLst/>
                         </a:rPr>
                         <a:t>12</a:t>
                       </a:r>
-                      <a:endParaRPr lang="es-CO" sz="1100">
+                      <a:endParaRPr lang="es-CO" sz="800">
                         <a:effectLst/>
                         <a:latin typeface="Calibri" panose="020F0502020204030204" pitchFamily="34" charset="0"/>
                         <a:ea typeface="Times New Roman" panose="02020603050405020304" pitchFamily="18" charset="0"/>
@@ -4401,10 +4838,10 @@
                       </a:endParaRPr>
                     </a:p>
                   </a:txBody>
-                  <a:tcPr marL="68580" marR="68580" marT="0" marB="0"/>
+                  <a:tcPr marL="51435" marR="51435" marT="0" marB="0"/>
                 </a:tc>
               </a:tr>
-              <a:tr h="180000">
+              <a:tr h="135000">
                 <a:tc>
                   <a:txBody>
                     <a:bodyPr/>
@@ -4419,12 +4856,12 @@
                         </a:spcAft>
                       </a:pPr>
                       <a:r>
-                        <a:rPr lang="es-CO" sz="1100" dirty="0">
+                        <a:rPr lang="es-CO" sz="800" dirty="0">
                           <a:effectLst/>
                         </a:rPr>
                         <a:t>Naranja</a:t>
                       </a:r>
-                      <a:endParaRPr lang="es-CO" sz="1100" dirty="0">
+                      <a:endParaRPr lang="es-CO" sz="800" dirty="0">
                         <a:effectLst/>
                         <a:latin typeface="Calibri" panose="020F0502020204030204" pitchFamily="34" charset="0"/>
                         <a:ea typeface="Times New Roman" panose="02020603050405020304" pitchFamily="18" charset="0"/>
@@ -4432,7 +4869,7 @@
                       </a:endParaRPr>
                     </a:p>
                   </a:txBody>
-                  <a:tcPr marL="68580" marR="68580" marT="0" marB="0"/>
+                  <a:tcPr marL="51435" marR="51435" marT="0" marB="0"/>
                 </a:tc>
                 <a:tc>
                   <a:txBody>
@@ -4448,12 +4885,12 @@
                         </a:spcAft>
                       </a:pPr>
                       <a:r>
-                        <a:rPr lang="es-CO" sz="1100" dirty="0">
+                        <a:rPr lang="es-CO" sz="800" dirty="0">
                           <a:effectLst/>
                         </a:rPr>
                         <a:t>8546</a:t>
                       </a:r>
-                      <a:endParaRPr lang="es-CO" sz="1100" dirty="0">
+                      <a:endParaRPr lang="es-CO" sz="800" dirty="0">
                         <a:effectLst/>
                         <a:latin typeface="Calibri" panose="020F0502020204030204" pitchFamily="34" charset="0"/>
                         <a:ea typeface="Times New Roman" panose="02020603050405020304" pitchFamily="18" charset="0"/>
@@ -4461,7 +4898,7 @@
                       </a:endParaRPr>
                     </a:p>
                   </a:txBody>
-                  <a:tcPr marL="68580" marR="68580" marT="0" marB="0"/>
+                  <a:tcPr marL="51435" marR="51435" marT="0" marB="0"/>
                 </a:tc>
               </a:tr>
             </a:tbl>
@@ -4475,26 +4912,73 @@
           <p:nvPr/>
         </p:nvPicPr>
         <p:blipFill>
-          <a:blip r:embed="rId3"/>
+          <a:blip r:embed="rId4"/>
           <a:stretch>
             <a:fillRect/>
           </a:stretch>
         </p:blipFill>
         <p:spPr>
           <a:xfrm>
-            <a:off x="3864864" y="3346639"/>
-            <a:ext cx="4752000" cy="3418205"/>
+            <a:off x="3021478" y="3069323"/>
+            <a:ext cx="3564000" cy="2556000"/>
           </a:xfrm>
           <a:prstGeom prst="rect">
             <a:avLst/>
           </a:prstGeom>
         </p:spPr>
       </p:pic>
+      <p:sp>
+        <p:nvSpPr>
+          <p:cNvPr id="7" name="Marcador de pie de página 6"/>
+          <p:cNvSpPr>
+            <a:spLocks noGrp="1"/>
+          </p:cNvSpPr>
+          <p:nvPr>
+            <p:ph type="ftr" sz="quarter" idx="11"/>
+          </p:nvPr>
+        </p:nvSpPr>
+        <p:spPr>
+          <a:xfrm>
+            <a:off x="1126379" y="8657167"/>
+            <a:ext cx="5051138" cy="486833"/>
+          </a:xfrm>
+        </p:spPr>
+        <p:txBody>
+          <a:bodyPr/>
+          <a:lstStyle/>
+          <a:p>
+            <a:r>
+              <a:rPr lang="es-CO" dirty="0" smtClean="0"/>
+              <a:t>CALLE 6 SUR # 50 - 30 MEDELLÍN, TEL: (574) 322 3662 COLOMBIA. MAIL: info@magicmedios.com </a:t>
+            </a:r>
+          </a:p>
+          <a:p>
+            <a:r>
+              <a:rPr lang="es-CO" dirty="0" smtClean="0"/>
+              <a:t>CEL: 316 324 0527 - 311 361 9540</a:t>
+            </a:r>
+          </a:p>
+          <a:p>
+            <a:r>
+              <a:rPr lang="es-CO" dirty="0" smtClean="0"/>
+              <a:t> WWW.MAGICMEDIOS.COM</a:t>
+            </a:r>
+            <a:endParaRPr lang="en-US" dirty="0"/>
+          </a:p>
+        </p:txBody>
+      </p:sp>
     </p:spTree>
   </p:cSld>
   <p:clrMapOvr>
     <a:masterClrMapping/>
   </p:clrMapOvr>
+  <p:timing>
+    <p:tnLst>
+      <p:par>
+        <p:cTn id="1" dur="indefinite" restart="never" nodeType="tmRoot"/>
+      </p:par>
+    </p:tnLst>
+  </p:timing>
 </p:sld>
 </file>
 
@@ -4816,4 +5300,265 @@
   </a:objectDefaults>
   <a:extraClrSchemeLst/>
 </a:theme>
+</file>
+
+<file path=ppt/theme/theme2.xml><?xml version="1.0" encoding="utf-8"?>
+<a:theme xmlns:a="http://schemas.openxmlformats.org/drawingml/2006/main" name="Tema de Office">
+  <a:themeElements>
+    <a:clrScheme name="Office">
+      <a:dk1>
+        <a:sysClr val="windowText" lastClr="000000"/>
+      </a:dk1>
+      <a:lt1>
+        <a:sysClr val="window" lastClr="FFFFFF"/>
+      </a:lt1>
+      <a:dk2>
+        <a:srgbClr val="44546A"/>
+      </a:dk2>
+      <a:lt2>
+        <a:srgbClr val="E7E6E6"/>
+      </a:lt2>
+      <a:accent1>
+        <a:srgbClr val="5B9BD5"/>
+      </a:accent1>
+      <a:accent2>
+        <a:srgbClr val="ED7D31"/>
+      </a:accent2>
+      <a:accent3>
+        <a:srgbClr val="A5A5A5"/>
+      </a:accent3>
+      <a:accent4>
+        <a:srgbClr val="FFC000"/>
+      </a:accent4>
+      <a:accent5>
+        <a:srgbClr val="4472C4"/>
+      </a:accent5>
+      <a:accent6>
+        <a:srgbClr val="70AD47"/>
+      </a:accent6>
+      <a:hlink>
+        <a:srgbClr val="0563C1"/>
+      </a:hlink>
+      <a:folHlink>
+        <a:srgbClr val="954F72"/>
+      </a:folHlink>
+    </a:clrScheme>
+    <a:fontScheme name="Office">
+      <a:majorFont>
+        <a:latin typeface="Calibri Light" panose="020F0302020204030204"/>
+        <a:ea typeface=""/>
+        <a:cs typeface=""/>
+        <a:font script="Jpan" typeface="ＭＳ Ｐゴシック"/>
+        <a:font script="Hang" typeface="맑은 고딕"/>
+        <a:font script="Hans" typeface="宋体"/>
+        <a:font script="Hant" typeface="新細明體"/>
+        <a:font script="Arab" typeface="Times New Roman"/>
+        <a:font script="Hebr" typeface="Times New Roman"/>
+        <a:font script="Thai" typeface="Angsana New"/>
+        <a:font script="Ethi" typeface="Nyala"/>
+        <a:font script="Beng" typeface="Vrinda"/>
+        <a:font script="Gujr" typeface="Shruti"/>
+        <a:font script="Khmr" typeface="MoolBoran"/>
+        <a:font script="Knda" typeface="Tunga"/>
+        <a:font script="Guru" typeface="Raavi"/>
+        <a:font script="Cans" typeface="Euphemia"/>
+        <a:font script="Cher" typeface="Plantagenet Cherokee"/>
+        <a:font script="Yiii" typeface="Microsoft Yi Baiti"/>
+        <a:font script="Tibt" typeface="Microsoft Himalaya"/>
+        <a:font script="Thaa" typeface="MV Boli"/>
+        <a:font script="Deva" typeface="Mangal"/>
+        <a:font script="Telu" typeface="Gautami"/>
+        <a:font script="Taml" typeface="Latha"/>
+        <a:font script="Syrc" typeface="Estrangelo Edessa"/>
+        <a:font script="Orya" typeface="Kalinga"/>
+        <a:font script="Mlym" typeface="Kartika"/>
+        <a:font script="Laoo" typeface="DokChampa"/>
+        <a:font script="Sinh" typeface="Iskoola Pota"/>
+        <a:font script="Mong" typeface="Mongolian Baiti"/>
+        <a:font script="Viet" typeface="Times New Roman"/>
+        <a:font script="Uigh" typeface="Microsoft Uighur"/>
+        <a:font script="Geor" typeface="Sylfaen"/>
+      </a:majorFont>
+      <a:minorFont>
+        <a:latin typeface="Calibri" panose="020F0502020204030204"/>
+        <a:ea typeface=""/>
+        <a:cs typeface=""/>
+        <a:font script="Jpan" typeface="ＭＳ Ｐゴシック"/>
+        <a:font script="Hang" typeface="맑은 고딕"/>
+        <a:font script="Hans" typeface="宋体"/>
+        <a:font script="Hant" typeface="新細明體"/>
+        <a:font script="Arab" typeface="Arial"/>
+        <a:font script="Hebr" typeface="Arial"/>
+        <a:font script="Thai" typeface="Cordia New"/>
+        <a:font script="Ethi" typeface="Nyala"/>
+        <a:font script="Beng" typeface="Vrinda"/>
+        <a:font script="Gujr" typeface="Shruti"/>
+        <a:font script="Khmr" typeface="DaunPenh"/>
+        <a:font script="Knda" typeface="Tunga"/>
+        <a:font script="Guru" typeface="Raavi"/>
+        <a:font script="Cans" typeface="Euphemia"/>
+        <a:font script="Cher" typeface="Plantagenet Cherokee"/>
+        <a:font script="Yiii" typeface="Microsoft Yi Baiti"/>
+        <a:font script="Tibt" typeface="Microsoft Himalaya"/>
+        <a:font script="Thaa" typeface="MV Boli"/>
+        <a:font script="Deva" typeface="Mangal"/>
+        <a:font script="Telu" typeface="Gautami"/>
+        <a:font script="Taml" typeface="Latha"/>
+        <a:font script="Syrc" typeface="Estrangelo Edessa"/>
+        <a:font script="Orya" typeface="Kalinga"/>
+        <a:font script="Mlym" typeface="Kartika"/>
+        <a:font script="Laoo" typeface="DokChampa"/>
+        <a:font script="Sinh" typeface="Iskoola Pota"/>
+        <a:font script="Mong" typeface="Mongolian Baiti"/>
+        <a:font script="Viet" typeface="Arial"/>
+        <a:font script="Uigh" typeface="Microsoft Uighur"/>
+        <a:font script="Geor" typeface="Sylfaen"/>
+      </a:minorFont>
+    </a:fontScheme>
+    <a:fmtScheme name="Office">
+      <a:fillStyleLst>
+        <a:solidFill>
+          <a:schemeClr val="phClr"/>
+        </a:solidFill>
+        <a:gradFill rotWithShape="1">
+          <a:gsLst>
+            <a:gs pos="0">
+              <a:schemeClr val="phClr">
+                <a:lumMod val="110000"/>
+                <a:satMod val="105000"/>
+                <a:tint val="67000"/>
+              </a:schemeClr>
+            </a:gs>
+            <a:gs pos="50000">
+              <a:schemeClr val="phClr">
+                <a:lumMod val="105000"/>
+                <a:satMod val="103000"/>
+                <a:tint val="73000"/>
+              </a:schemeClr>
+            </a:gs>
+            <a:gs pos="100000">
+              <a:schemeClr val="phClr">
+                <a:lumMod val="105000"/>
+                <a:satMod val="109000"/>
+                <a:tint val="81000"/>
+              </a:schemeClr>
+            </a:gs>
+          </a:gsLst>
+          <a:lin ang="5400000" scaled="0"/>
+        </a:gradFill>
+        <a:gradFill rotWithShape="1">
+          <a:gsLst>
+            <a:gs pos="0">
+              <a:schemeClr val="phClr">
+                <a:satMod val="103000"/>
+                <a:lumMod val="102000"/>
+                <a:tint val="94000"/>
+              </a:schemeClr>
+            </a:gs>
+            <a:gs pos="50000">
+              <a:schemeClr val="phClr">
+                <a:satMod val="110000"/>
+                <a:lumMod val="100000"/>
+                <a:shade val="100000"/>
+              </a:schemeClr>
+            </a:gs>
+            <a:gs pos="100000">
+              <a:schemeClr val="phClr">
+                <a:lumMod val="99000"/>
+                <a:satMod val="120000"/>
+                <a:shade val="78000"/>
+              </a:schemeClr>
+            </a:gs>
+          </a:gsLst>
+          <a:lin ang="5400000" scaled="0"/>
+        </a:gradFill>
+      </a:fillStyleLst>
+      <a:lnStyleLst>
+        <a:ln w="6350" cap="flat" cmpd="sng" algn="ctr">
+          <a:solidFill>
+            <a:schemeClr val="phClr"/>
+          </a:solidFill>
+          <a:prstDash val="solid"/>
+          <a:miter lim="800000"/>
+        </a:ln>
+        <a:ln w="12700" cap="flat" cmpd="sng" algn="ctr">
+          <a:solidFill>
+            <a:schemeClr val="phClr"/>
+          </a:solidFill>
+          <a:prstDash val="solid"/>
+          <a:miter lim="800000"/>
+        </a:ln>
+        <a:ln w="19050" cap="flat" cmpd="sng" algn="ctr">
+          <a:solidFill>
+            <a:schemeClr val="phClr"/>
+          </a:solidFill>
+          <a:prstDash val="solid"/>
+          <a:miter lim="800000"/>
+        </a:ln>
+      </a:lnStyleLst>
+      <a:effectStyleLst>
+        <a:effectStyle>
+          <a:effectLst/>
+        </a:effectStyle>
+        <a:effectStyle>
+          <a:effectLst/>
+        </a:effectStyle>
+        <a:effectStyle>
+          <a:effectLst>
+            <a:outerShdw blurRad="57150" dist="19050" dir="5400000" algn="ctr" rotWithShape="0">
+              <a:srgbClr val="000000">
+                <a:alpha val="63000"/>
+              </a:srgbClr>
+            </a:outerShdw>
+          </a:effectLst>
+        </a:effectStyle>
+      </a:effectStyleLst>
+      <a:bgFillStyleLst>
+        <a:solidFill>
+          <a:schemeClr val="phClr"/>
+        </a:solidFill>
+        <a:solidFill>
+          <a:schemeClr val="phClr">
+            <a:tint val="95000"/>
+            <a:satMod val="170000"/>
+          </a:schemeClr>
+        </a:solidFill>
+        <a:gradFill rotWithShape="1">
+          <a:gsLst>
+            <a:gs pos="0">
+              <a:schemeClr val="phClr">
+                <a:tint val="93000"/>
+                <a:satMod val="150000"/>
+                <a:shade val="98000"/>
+                <a:lumMod val="102000"/>
+              </a:schemeClr>
+            </a:gs>
+            <a:gs pos="50000">
+              <a:schemeClr val="phClr">
+                <a:tint val="98000"/>
+                <a:satMod val="130000"/>
+                <a:shade val="90000"/>
+                <a:lumMod val="103000"/>
+              </a:schemeClr>
+            </a:gs>
+            <a:gs pos="100000">
+              <a:schemeClr val="phClr">
+                <a:shade val="63000"/>
+                <a:satMod val="120000"/>
+              </a:schemeClr>
+            </a:gs>
+          </a:gsLst>
+          <a:lin ang="5400000" scaled="0"/>
+        </a:gradFill>
+      </a:bgFillStyleLst>
+    </a:fmtScheme>
+  </a:themeElements>
+  <a:objectDefaults/>
+  <a:extraClrSchemeLst/>
+  <a:extLst>
+    <a:ext uri="{05A4C25C-085E-4340-85A3-A5531E510DB2}">
+      <thm15:themeFamily xmlns:thm15="http://schemas.microsoft.com/office/thememl/2012/main" name="Office Theme" id="{62F939B6-93AF-4DB8-9C6B-D6C7DFDC589F}" vid="{4A3C46E8-61CC-4603-A589-7422A47A8E4A}"/>
+    </a:ext>
+  </a:extLst>
+</a:theme>
 </file>